--- a/examps/CustomersOrders/CustomersOrders.pptx
+++ b/examps/CustomersOrders/CustomersOrders.pptx
@@ -5,20 +5,22 @@
     <p:sldMasterId id="2147483648" r:id="rId1"/>
   </p:sldMasterIdLst>
   <p:notesMasterIdLst>
-    <p:notesMasterId r:id="rId13"/>
+    <p:notesMasterId r:id="rId15"/>
   </p:notesMasterIdLst>
   <p:sldIdLst>
-    <p:sldId id="257" r:id="rId2"/>
-    <p:sldId id="258" r:id="rId3"/>
-    <p:sldId id="260" r:id="rId4"/>
-    <p:sldId id="259" r:id="rId5"/>
-    <p:sldId id="261" r:id="rId6"/>
-    <p:sldId id="262" r:id="rId7"/>
-    <p:sldId id="263" r:id="rId8"/>
-    <p:sldId id="264" r:id="rId9"/>
-    <p:sldId id="267" r:id="rId10"/>
-    <p:sldId id="265" r:id="rId11"/>
-    <p:sldId id="266" r:id="rId12"/>
+    <p:sldId id="268" r:id="rId2"/>
+    <p:sldId id="257" r:id="rId3"/>
+    <p:sldId id="258" r:id="rId4"/>
+    <p:sldId id="260" r:id="rId5"/>
+    <p:sldId id="269" r:id="rId6"/>
+    <p:sldId id="259" r:id="rId7"/>
+    <p:sldId id="261" r:id="rId8"/>
+    <p:sldId id="262" r:id="rId9"/>
+    <p:sldId id="263" r:id="rId10"/>
+    <p:sldId id="264" r:id="rId11"/>
+    <p:sldId id="267" r:id="rId12"/>
+    <p:sldId id="265" r:id="rId13"/>
+    <p:sldId id="266" r:id="rId14"/>
   </p:sldIdLst>
   <p:sldSz cx="9144000" cy="6858000" type="screen4x3"/>
   <p:notesSz cx="6858000" cy="9144000"/>
@@ -218,7 +220,7 @@
           <a:p>
             <a:fld id="{A53758C0-77F1-4E1D-9BA7-D31EB3FB240A}" type="datetimeFigureOut">
               <a:rPr lang="nl-NL" smtClean="0"/>
-              <a:t>8-11-2017</a:t>
+              <a:t>10-11-2017</a:t>
             </a:fld>
             <a:endParaRPr lang="nl-NL"/>
           </a:p>
@@ -531,12 +533,16 @@
           <a:lstStyle/>
           <a:p>
             <a:r>
-              <a:rPr lang="en-US" dirty="0"/>
-              <a:t>CustomersOrders.XML taken from https://msdn.microsoft.com/en-us/library/bb387025.aspx</a:t>
-            </a:r>
-          </a:p>
-          <a:p>
-            <a:endParaRPr lang="nl-NL" dirty="0"/>
+              <a:rPr lang="en-US" dirty="0" smtClean="0"/>
+              <a:t>Screenshot of</a:t>
+            </a:r>
+          </a:p>
+          <a:p>
+            <a:r>
+              <a:rPr lang="en-US" dirty="0" smtClean="0"/>
+              <a:t>https://docs.microsoft.com/en-us/dotnet/csharp/programming-guide/concepts/linq/sample-xml-documents-linq-to-xml</a:t>
+            </a:r>
+            <a:endParaRPr lang="en-US" dirty="0"/>
           </a:p>
         </p:txBody>
       </p:sp>
@@ -566,7 +572,7 @@
     </p:spTree>
     <p:extLst>
       <p:ext uri="{BB962C8B-B14F-4D97-AF65-F5344CB8AC3E}">
-        <p14:creationId xmlns:p14="http://schemas.microsoft.com/office/powerpoint/2010/main" val="1112642339"/>
+        <p14:creationId xmlns:p14="http://schemas.microsoft.com/office/powerpoint/2010/main" val="1045546477"/>
       </p:ext>
     </p:extLst>
   </p:cSld>
@@ -622,8 +628,36 @@
           <a:p>
             <a:r>
               <a:rPr lang="en-US" dirty="0"/>
-              <a:t>CustomersOrders.XSD taken from https://msdn.microsoft.com/en-us/library/bb675181.aspx</a:t>
-            </a:r>
+              <a:t>CustomersOrders.XML taken from </a:t>
+            </a:r>
+            <a:endParaRPr lang="en-US" dirty="0" smtClean="0"/>
+          </a:p>
+          <a:p>
+            <a:r>
+              <a:rPr lang="en-US" dirty="0" smtClean="0"/>
+              <a:t>https</a:t>
+            </a:r>
+            <a:r>
+              <a:rPr lang="en-US" dirty="0"/>
+              <a:t>://</a:t>
+            </a:r>
+            <a:r>
+              <a:rPr lang="en-US" dirty="0" smtClean="0"/>
+              <a:t>msdn.microsoft.com/en-us/library/bb387025.aspx</a:t>
+            </a:r>
+          </a:p>
+          <a:p>
+            <a:r>
+              <a:rPr lang="en-US" dirty="0" smtClean="0"/>
+              <a:t>And</a:t>
+            </a:r>
+          </a:p>
+          <a:p>
+            <a:r>
+              <a:rPr lang="en-US" dirty="0" smtClean="0"/>
+              <a:t>https://docs.microsoft.com/en-us/dotnet/csharp/programming-guide/concepts/linq/sample-xml-file-customers-and-orders-linq-to-xml-2</a:t>
+            </a:r>
+            <a:endParaRPr lang="en-US" dirty="0"/>
           </a:p>
           <a:p>
             <a:endParaRPr lang="nl-NL" dirty="0"/>
@@ -656,7 +690,212 @@
     </p:spTree>
     <p:extLst>
       <p:ext uri="{BB962C8B-B14F-4D97-AF65-F5344CB8AC3E}">
+        <p14:creationId xmlns:p14="http://schemas.microsoft.com/office/powerpoint/2010/main" val="1112642339"/>
+      </p:ext>
+    </p:extLst>
+  </p:cSld>
+  <p:clrMapOvr>
+    <a:masterClrMapping/>
+  </p:clrMapOvr>
+</p:notes>
+</file>
+
+<file path=ppt/notesSlides/notesSlide3.xml><?xml version="1.0" encoding="utf-8"?>
+<p:notes xmlns:a="http://schemas.openxmlformats.org/drawingml/2006/main" xmlns:r="http://schemas.openxmlformats.org/officeDocument/2006/relationships" xmlns:p="http://schemas.openxmlformats.org/presentationml/2006/main">
+  <p:cSld>
+    <p:spTree>
+      <p:nvGrpSpPr>
+        <p:cNvPr id="1" name=""/>
+        <p:cNvGrpSpPr/>
+        <p:nvPr/>
+      </p:nvGrpSpPr>
+      <p:grpSpPr>
+        <a:xfrm>
+          <a:off x="0" y="0"/>
+          <a:ext cx="0" cy="0"/>
+          <a:chOff x="0" y="0"/>
+          <a:chExt cx="0" cy="0"/>
+        </a:xfrm>
+      </p:grpSpPr>
+      <p:sp>
+        <p:nvSpPr>
+          <p:cNvPr id="2" name="Slide Image Placeholder 1"/>
+          <p:cNvSpPr>
+            <a:spLocks noGrp="1" noRot="1" noChangeAspect="1"/>
+          </p:cNvSpPr>
+          <p:nvPr>
+            <p:ph type="sldImg"/>
+          </p:nvPr>
+        </p:nvSpPr>
+        <p:spPr/>
+      </p:sp>
+      <p:sp>
+        <p:nvSpPr>
+          <p:cNvPr id="3" name="Notes Placeholder 2"/>
+          <p:cNvSpPr>
+            <a:spLocks noGrp="1"/>
+          </p:cNvSpPr>
+          <p:nvPr>
+            <p:ph type="body" idx="1"/>
+          </p:nvPr>
+        </p:nvSpPr>
+        <p:spPr/>
+        <p:txBody>
+          <a:bodyPr/>
+          <a:lstStyle/>
+          <a:p>
+            <a:r>
+              <a:rPr lang="en-US" dirty="0"/>
+              <a:t>CustomersOrders.XSD taken </a:t>
+            </a:r>
+            <a:r>
+              <a:rPr lang="en-US" dirty="0" smtClean="0"/>
+              <a:t>from</a:t>
+            </a:r>
+          </a:p>
+          <a:p>
+            <a:r>
+              <a:rPr lang="en-US" dirty="0" smtClean="0"/>
+              <a:t>https</a:t>
+            </a:r>
+            <a:r>
+              <a:rPr lang="en-US" dirty="0"/>
+              <a:t>://</a:t>
+            </a:r>
+            <a:r>
+              <a:rPr lang="en-US" dirty="0" smtClean="0"/>
+              <a:t>msdn.microsoft.com/en-us/library/bb675181.aspx</a:t>
+            </a:r>
+          </a:p>
+          <a:p>
+            <a:r>
+              <a:rPr lang="en-US" dirty="0" smtClean="0"/>
+              <a:t>And</a:t>
+            </a:r>
+          </a:p>
+          <a:p>
+            <a:r>
+              <a:rPr lang="en-US" dirty="0" smtClean="0"/>
+              <a:t>https://docs.microsoft.com/en-us/dotnet/csharp/programming-guide/concepts/linq/sample-xsd-file-customers-and-orders1</a:t>
+            </a:r>
+            <a:endParaRPr lang="en-US" dirty="0"/>
+          </a:p>
+          <a:p>
+            <a:endParaRPr lang="nl-NL" dirty="0"/>
+          </a:p>
+        </p:txBody>
+      </p:sp>
+      <p:sp>
+        <p:nvSpPr>
+          <p:cNvPr id="4" name="Slide Number Placeholder 3"/>
+          <p:cNvSpPr>
+            <a:spLocks noGrp="1"/>
+          </p:cNvSpPr>
+          <p:nvPr>
+            <p:ph type="sldNum" sz="quarter" idx="10"/>
+          </p:nvPr>
+        </p:nvSpPr>
+        <p:spPr/>
+        <p:txBody>
+          <a:bodyPr/>
+          <a:lstStyle/>
+          <a:p>
+            <a:fld id="{D24480BD-774E-409C-9E00-0BC924CF389A}" type="slidenum">
+              <a:rPr lang="nl-NL" smtClean="0"/>
+              <a:t>3</a:t>
+            </a:fld>
+            <a:endParaRPr lang="nl-NL"/>
+          </a:p>
+        </p:txBody>
+      </p:sp>
+    </p:spTree>
+    <p:extLst>
+      <p:ext uri="{BB962C8B-B14F-4D97-AF65-F5344CB8AC3E}">
         <p14:creationId xmlns:p14="http://schemas.microsoft.com/office/powerpoint/2010/main" val="3523130780"/>
+      </p:ext>
+    </p:extLst>
+  </p:cSld>
+  <p:clrMapOvr>
+    <a:masterClrMapping/>
+  </p:clrMapOvr>
+</p:notes>
+</file>
+
+<file path=ppt/notesSlides/notesSlide4.xml><?xml version="1.0" encoding="utf-8"?>
+<p:notes xmlns:a="http://schemas.openxmlformats.org/drawingml/2006/main" xmlns:r="http://schemas.openxmlformats.org/officeDocument/2006/relationships" xmlns:p="http://schemas.openxmlformats.org/presentationml/2006/main">
+  <p:cSld>
+    <p:spTree>
+      <p:nvGrpSpPr>
+        <p:cNvPr id="1" name=""/>
+        <p:cNvGrpSpPr/>
+        <p:nvPr/>
+      </p:nvGrpSpPr>
+      <p:grpSpPr>
+        <a:xfrm>
+          <a:off x="0" y="0"/>
+          <a:ext cx="0" cy="0"/>
+          <a:chOff x="0" y="0"/>
+          <a:chExt cx="0" cy="0"/>
+        </a:xfrm>
+      </p:grpSpPr>
+      <p:sp>
+        <p:nvSpPr>
+          <p:cNvPr id="2" name="Slide Image Placeholder 1"/>
+          <p:cNvSpPr>
+            <a:spLocks noGrp="1" noRot="1" noChangeAspect="1"/>
+          </p:cNvSpPr>
+          <p:nvPr>
+            <p:ph type="sldImg"/>
+          </p:nvPr>
+        </p:nvSpPr>
+        <p:spPr/>
+      </p:sp>
+      <p:sp>
+        <p:nvSpPr>
+          <p:cNvPr id="3" name="Notes Placeholder 2"/>
+          <p:cNvSpPr>
+            <a:spLocks noGrp="1"/>
+          </p:cNvSpPr>
+          <p:nvPr>
+            <p:ph type="body" idx="1"/>
+          </p:nvPr>
+        </p:nvSpPr>
+        <p:spPr/>
+        <p:txBody>
+          <a:bodyPr/>
+          <a:lstStyle/>
+          <a:p>
+            <a:endParaRPr lang="en-US" dirty="0"/>
+          </a:p>
+        </p:txBody>
+      </p:sp>
+      <p:sp>
+        <p:nvSpPr>
+          <p:cNvPr id="4" name="Slide Number Placeholder 3"/>
+          <p:cNvSpPr>
+            <a:spLocks noGrp="1"/>
+          </p:cNvSpPr>
+          <p:nvPr>
+            <p:ph type="sldNum" sz="quarter" idx="10"/>
+          </p:nvPr>
+        </p:nvSpPr>
+        <p:spPr/>
+        <p:txBody>
+          <a:bodyPr/>
+          <a:lstStyle/>
+          <a:p>
+            <a:fld id="{D24480BD-774E-409C-9E00-0BC924CF389A}" type="slidenum">
+              <a:rPr lang="nl-NL" smtClean="0"/>
+              <a:t>13</a:t>
+            </a:fld>
+            <a:endParaRPr lang="nl-NL"/>
+          </a:p>
+        </p:txBody>
+      </p:sp>
+    </p:spTree>
+    <p:extLst>
+      <p:ext uri="{BB962C8B-B14F-4D97-AF65-F5344CB8AC3E}">
+        <p14:creationId xmlns:p14="http://schemas.microsoft.com/office/powerpoint/2010/main" val="3086407975"/>
       </p:ext>
     </p:extLst>
   </p:cSld>
@@ -847,7 +1086,7 @@
           <a:p>
             <a:fld id="{07337B59-7727-48E0-B22D-22F24C2082B3}" type="datetimeFigureOut">
               <a:rPr lang="en-GB" smtClean="0"/>
-              <a:t>08/11/2017</a:t>
+              <a:t>10/11/2017</a:t>
             </a:fld>
             <a:endParaRPr lang="en-GB"/>
           </a:p>
@@ -1017,7 +1256,7 @@
           <a:p>
             <a:fld id="{07337B59-7727-48E0-B22D-22F24C2082B3}" type="datetimeFigureOut">
               <a:rPr lang="en-GB" smtClean="0"/>
-              <a:t>08/11/2017</a:t>
+              <a:t>10/11/2017</a:t>
             </a:fld>
             <a:endParaRPr lang="en-GB"/>
           </a:p>
@@ -1197,7 +1436,7 @@
           <a:p>
             <a:fld id="{07337B59-7727-48E0-B22D-22F24C2082B3}" type="datetimeFigureOut">
               <a:rPr lang="en-GB" smtClean="0"/>
-              <a:t>08/11/2017</a:t>
+              <a:t>10/11/2017</a:t>
             </a:fld>
             <a:endParaRPr lang="en-GB"/>
           </a:p>
@@ -1367,7 +1606,7 @@
           <a:p>
             <a:fld id="{07337B59-7727-48E0-B22D-22F24C2082B3}" type="datetimeFigureOut">
               <a:rPr lang="en-GB" smtClean="0"/>
-              <a:t>08/11/2017</a:t>
+              <a:t>10/11/2017</a:t>
             </a:fld>
             <a:endParaRPr lang="en-GB"/>
           </a:p>
@@ -1613,7 +1852,7 @@
           <a:p>
             <a:fld id="{07337B59-7727-48E0-B22D-22F24C2082B3}" type="datetimeFigureOut">
               <a:rPr lang="en-GB" smtClean="0"/>
-              <a:t>08/11/2017</a:t>
+              <a:t>10/11/2017</a:t>
             </a:fld>
             <a:endParaRPr lang="en-GB"/>
           </a:p>
@@ -1901,7 +2140,7 @@
           <a:p>
             <a:fld id="{07337B59-7727-48E0-B22D-22F24C2082B3}" type="datetimeFigureOut">
               <a:rPr lang="en-GB" smtClean="0"/>
-              <a:t>08/11/2017</a:t>
+              <a:t>10/11/2017</a:t>
             </a:fld>
             <a:endParaRPr lang="en-GB"/>
           </a:p>
@@ -2323,7 +2562,7 @@
           <a:p>
             <a:fld id="{07337B59-7727-48E0-B22D-22F24C2082B3}" type="datetimeFigureOut">
               <a:rPr lang="en-GB" smtClean="0"/>
-              <a:t>08/11/2017</a:t>
+              <a:t>10/11/2017</a:t>
             </a:fld>
             <a:endParaRPr lang="en-GB"/>
           </a:p>
@@ -2441,7 +2680,7 @@
           <a:p>
             <a:fld id="{07337B59-7727-48E0-B22D-22F24C2082B3}" type="datetimeFigureOut">
               <a:rPr lang="en-GB" smtClean="0"/>
-              <a:t>08/11/2017</a:t>
+              <a:t>10/11/2017</a:t>
             </a:fld>
             <a:endParaRPr lang="en-GB"/>
           </a:p>
@@ -2536,7 +2775,7 @@
           <a:p>
             <a:fld id="{07337B59-7727-48E0-B22D-22F24C2082B3}" type="datetimeFigureOut">
               <a:rPr lang="en-GB" smtClean="0"/>
-              <a:t>08/11/2017</a:t>
+              <a:t>10/11/2017</a:t>
             </a:fld>
             <a:endParaRPr lang="en-GB"/>
           </a:p>
@@ -2813,7 +3052,7 @@
           <a:p>
             <a:fld id="{07337B59-7727-48E0-B22D-22F24C2082B3}" type="datetimeFigureOut">
               <a:rPr lang="en-GB" smtClean="0"/>
-              <a:t>08/11/2017</a:t>
+              <a:t>10/11/2017</a:t>
             </a:fld>
             <a:endParaRPr lang="en-GB"/>
           </a:p>
@@ -3066,7 +3305,7 @@
           <a:p>
             <a:fld id="{07337B59-7727-48E0-B22D-22F24C2082B3}" type="datetimeFigureOut">
               <a:rPr lang="en-GB" smtClean="0"/>
-              <a:t>08/11/2017</a:t>
+              <a:t>10/11/2017</a:t>
             </a:fld>
             <a:endParaRPr lang="en-GB"/>
           </a:p>
@@ -3279,7 +3518,7 @@
           <a:p>
             <a:fld id="{07337B59-7727-48E0-B22D-22F24C2082B3}" type="datetimeFigureOut">
               <a:rPr lang="en-GB" smtClean="0"/>
-              <a:t>08/11/2017</a:t>
+              <a:t>10/11/2017</a:t>
             </a:fld>
             <a:endParaRPr lang="en-GB"/>
           </a:p>
@@ -3670,68 +3909,73 @@
           <a:lstStyle/>
           <a:p>
             <a:r>
-              <a:rPr lang="en-GB" dirty="0"/>
-              <a:t>Customers Orders</a:t>
+              <a:rPr lang="en-US" dirty="0" smtClean="0"/>
+              <a:t>Real World Example</a:t>
+            </a:r>
+            <a:endParaRPr lang="en-US" dirty="0"/>
+          </a:p>
+        </p:txBody>
+      </p:sp>
+      <p:sp>
+        <p:nvSpPr>
+          <p:cNvPr id="3" name="Content Placeholder 2"/>
+          <p:cNvSpPr>
+            <a:spLocks noGrp="1"/>
+          </p:cNvSpPr>
+          <p:nvPr>
+            <p:ph idx="1"/>
+          </p:nvPr>
+        </p:nvSpPr>
+        <p:spPr>
+          <a:xfrm>
+            <a:off x="457200" y="1600200"/>
+            <a:ext cx="8435280" cy="4525963"/>
+          </a:xfrm>
+        </p:spPr>
+        <p:txBody>
+          <a:bodyPr/>
+          <a:lstStyle/>
+          <a:p>
+            <a:r>
+              <a:rPr lang="en-US" dirty="0" smtClean="0"/>
+              <a:t>Example taken from Microsoft</a:t>
+            </a:r>
+          </a:p>
+          <a:p>
+            <a:r>
+              <a:rPr lang="en-US" dirty="0" smtClean="0"/>
+              <a:t>XSD and XML data</a:t>
             </a:r>
           </a:p>
         </p:txBody>
       </p:sp>
       <p:pic>
         <p:nvPicPr>
-          <p:cNvPr id="1026" name="Picture 2"/>
+          <p:cNvPr id="7" name="Picture 6"/>
           <p:cNvPicPr>
-            <a:picLocks noChangeAspect="1" noChangeArrowheads="1"/>
+            <a:picLocks noChangeAspect="1"/>
           </p:cNvPicPr>
           <p:nvPr/>
         </p:nvPicPr>
         <p:blipFill rotWithShape="1">
-          <a:blip r:embed="rId3">
-            <a:extLst>
-              <a:ext uri="{28A0092B-C50C-407E-A947-70E740481C1C}">
-                <a14:useLocalDpi xmlns:a14="http://schemas.microsoft.com/office/drawing/2010/main" val="0"/>
-              </a:ext>
-            </a:extLst>
-          </a:blip>
-          <a:srcRect r="19399"/>
+          <a:blip r:embed="rId3"/>
+          <a:srcRect l="12803" t="8077" r="13580" b="12262"/>
           <a:stretch/>
         </p:blipFill>
-        <p:spPr bwMode="auto">
+        <p:spPr>
           <a:xfrm>
-            <a:off x="467544" y="1421425"/>
-            <a:ext cx="7621398" cy="5082437"/>
+            <a:off x="1187624" y="2780928"/>
+            <a:ext cx="6624736" cy="4032448"/>
           </a:xfrm>
           <a:prstGeom prst="rect">
             <a:avLst/>
           </a:prstGeom>
-          <a:noFill/>
-          <a:ln>
-            <a:noFill/>
-          </a:ln>
-          <a:extLst>
-            <a:ext uri="{909E8E84-426E-40DD-AFC4-6F175D3DCCD1}">
-              <a14:hiddenFill xmlns:a14="http://schemas.microsoft.com/office/drawing/2010/main">
-                <a:solidFill>
-                  <a:schemeClr val="accent1"/>
-                </a:solidFill>
-              </a14:hiddenFill>
-            </a:ext>
-            <a:ext uri="{91240B29-F687-4F45-9708-019B960494DF}">
-              <a14:hiddenLine xmlns:a14="http://schemas.microsoft.com/office/drawing/2010/main" w="9525">
-                <a:solidFill>
-                  <a:schemeClr val="tx1"/>
-                </a:solidFill>
-                <a:miter lim="800000"/>
-                <a:headEnd/>
-                <a:tailEnd/>
-              </a14:hiddenLine>
-            </a:ext>
-          </a:extLst>
         </p:spPr>
       </p:pic>
     </p:spTree>
     <p:extLst>
       <p:ext uri="{BB962C8B-B14F-4D97-AF65-F5344CB8AC3E}">
-        <p14:creationId xmlns:p14="http://schemas.microsoft.com/office/powerpoint/2010/main" val="923314487"/>
+        <p14:creationId xmlns:p14="http://schemas.microsoft.com/office/powerpoint/2010/main" val="3061888733"/>
       </p:ext>
     </p:extLst>
   </p:cSld>
@@ -3742,6 +3986,454 @@
 </file>
 
 <file path=ppt/slides/slide10.xml><?xml version="1.0" encoding="utf-8"?>
+<p:sld xmlns:a="http://schemas.openxmlformats.org/drawingml/2006/main" xmlns:r="http://schemas.openxmlformats.org/officeDocument/2006/relationships" xmlns:p="http://schemas.openxmlformats.org/presentationml/2006/main" show="0">
+  <p:cSld>
+    <p:spTree>
+      <p:nvGrpSpPr>
+        <p:cNvPr id="1" name=""/>
+        <p:cNvGrpSpPr/>
+        <p:nvPr/>
+      </p:nvGrpSpPr>
+      <p:grpSpPr>
+        <a:xfrm>
+          <a:off x="0" y="0"/>
+          <a:ext cx="0" cy="0"/>
+          <a:chOff x="0" y="0"/>
+          <a:chExt cx="0" cy="0"/>
+        </a:xfrm>
+      </p:grpSpPr>
+      <p:sp>
+        <p:nvSpPr>
+          <p:cNvPr id="2" name="Title 1"/>
+          <p:cNvSpPr>
+            <a:spLocks noGrp="1"/>
+          </p:cNvSpPr>
+          <p:nvPr>
+            <p:ph type="title"/>
+          </p:nvPr>
+        </p:nvSpPr>
+        <p:spPr/>
+        <p:txBody>
+          <a:bodyPr>
+            <a:normAutofit fontScale="90000"/>
+          </a:bodyPr>
+          <a:lstStyle/>
+          <a:p>
+            <a:r>
+              <a:rPr lang="en-GB" dirty="0"/>
+              <a:t>Customer Orders </a:t>
+            </a:r>
+            <a:r>
+              <a:rPr lang="en-GB" dirty="0" err="1"/>
+              <a:t>TorXakis</a:t>
+            </a:r>
+            <a:r>
+              <a:rPr lang="en-GB" dirty="0"/>
+              <a:t> functions</a:t>
+            </a:r>
+          </a:p>
+        </p:txBody>
+      </p:sp>
+      <p:sp>
+        <p:nvSpPr>
+          <p:cNvPr id="3" name="Content Placeholder 2"/>
+          <p:cNvSpPr>
+            <a:spLocks noGrp="1"/>
+          </p:cNvSpPr>
+          <p:nvPr>
+            <p:ph idx="1"/>
+          </p:nvPr>
+        </p:nvSpPr>
+        <p:spPr/>
+        <p:txBody>
+          <a:bodyPr>
+            <a:normAutofit fontScale="55000" lnSpcReduction="20000"/>
+          </a:bodyPr>
+          <a:lstStyle/>
+          <a:p>
+            <a:pPr marL="0" indent="0">
+              <a:buNone/>
+            </a:pPr>
+            <a:r>
+              <a:rPr lang="en-GB" dirty="0"/>
+              <a:t>FUNCDEF </a:t>
+            </a:r>
+            <a:r>
+              <a:rPr lang="en-GB" dirty="0" err="1"/>
+              <a:t>containsCustomerID</a:t>
+            </a:r>
+            <a:r>
+              <a:rPr lang="en-GB" dirty="0"/>
+              <a:t> ( </a:t>
+            </a:r>
+            <a:r>
+              <a:rPr lang="en-GB" dirty="0" err="1"/>
+              <a:t>cid</a:t>
+            </a:r>
+            <a:r>
+              <a:rPr lang="en-GB" dirty="0"/>
+              <a:t> :: </a:t>
+            </a:r>
+            <a:r>
+              <a:rPr lang="en-GB" dirty="0" err="1"/>
+              <a:t>Int</a:t>
+            </a:r>
+            <a:r>
+              <a:rPr lang="en-GB" dirty="0"/>
+              <a:t>; x :: </a:t>
+            </a:r>
+            <a:r>
+              <a:rPr lang="en-GB" dirty="0" err="1"/>
+              <a:t>List_Customer</a:t>
+            </a:r>
+            <a:r>
+              <a:rPr lang="en-GB" dirty="0"/>
+              <a:t> ) :: Bool </a:t>
+            </a:r>
+            <a:r>
+              <a:rPr lang="en-GB" dirty="0" smtClean="0"/>
+              <a:t>::=</a:t>
+            </a:r>
+          </a:p>
+          <a:p>
+            <a:pPr marL="0" indent="0">
+              <a:buNone/>
+            </a:pPr>
+            <a:r>
+              <a:rPr lang="en-GB" dirty="0"/>
+              <a:t>	</a:t>
+            </a:r>
+            <a:r>
+              <a:rPr lang="en-GB" dirty="0" smtClean="0"/>
+              <a:t>IF </a:t>
+            </a:r>
+            <a:r>
+              <a:rPr lang="en-GB" dirty="0" err="1"/>
+              <a:t>isNil_Customer</a:t>
+            </a:r>
+            <a:r>
+              <a:rPr lang="en-GB" dirty="0"/>
+              <a:t> (x) </a:t>
+            </a:r>
+            <a:endParaRPr lang="en-GB" dirty="0" smtClean="0"/>
+          </a:p>
+          <a:p>
+            <a:pPr marL="0" indent="0">
+              <a:buNone/>
+            </a:pPr>
+            <a:r>
+              <a:rPr lang="en-GB" dirty="0"/>
+              <a:t>	</a:t>
+            </a:r>
+            <a:r>
+              <a:rPr lang="en-GB" dirty="0" smtClean="0"/>
+              <a:t>THEN </a:t>
+            </a:r>
+            <a:r>
+              <a:rPr lang="en-GB" dirty="0"/>
+              <a:t>False </a:t>
+            </a:r>
+            <a:endParaRPr lang="en-GB" dirty="0" smtClean="0"/>
+          </a:p>
+          <a:p>
+            <a:pPr marL="0" indent="0">
+              <a:buNone/>
+            </a:pPr>
+            <a:r>
+              <a:rPr lang="en-GB" dirty="0"/>
+              <a:t>	</a:t>
+            </a:r>
+            <a:r>
+              <a:rPr lang="en-GB" dirty="0" smtClean="0"/>
+              <a:t>ELSE 	IF </a:t>
+            </a:r>
+            <a:r>
+              <a:rPr lang="en-GB" dirty="0" err="1"/>
+              <a:t>customerID</a:t>
+            </a:r>
+            <a:r>
+              <a:rPr lang="en-GB" dirty="0"/>
+              <a:t>(head (x)) == </a:t>
+            </a:r>
+            <a:r>
+              <a:rPr lang="en-GB" dirty="0" err="1"/>
+              <a:t>cid</a:t>
+            </a:r>
+            <a:r>
+              <a:rPr lang="en-GB" dirty="0"/>
+              <a:t> </a:t>
+            </a:r>
+            <a:endParaRPr lang="en-GB" dirty="0" smtClean="0"/>
+          </a:p>
+          <a:p>
+            <a:pPr marL="0" indent="0">
+              <a:buNone/>
+            </a:pPr>
+            <a:r>
+              <a:rPr lang="en-GB" dirty="0"/>
+              <a:t>	</a:t>
+            </a:r>
+            <a:r>
+              <a:rPr lang="en-GB" dirty="0" smtClean="0"/>
+              <a:t>	THEN </a:t>
+            </a:r>
+            <a:r>
+              <a:rPr lang="en-GB" dirty="0"/>
+              <a:t>True </a:t>
+            </a:r>
+            <a:endParaRPr lang="en-GB" dirty="0" smtClean="0"/>
+          </a:p>
+          <a:p>
+            <a:pPr marL="0" indent="0">
+              <a:buNone/>
+            </a:pPr>
+            <a:r>
+              <a:rPr lang="en-GB" dirty="0"/>
+              <a:t>	</a:t>
+            </a:r>
+            <a:r>
+              <a:rPr lang="en-GB" dirty="0" smtClean="0"/>
+              <a:t>	ELSE </a:t>
+            </a:r>
+            <a:r>
+              <a:rPr lang="en-GB" dirty="0" err="1"/>
+              <a:t>containsCustomerID</a:t>
+            </a:r>
+            <a:r>
+              <a:rPr lang="en-GB" dirty="0"/>
+              <a:t> (</a:t>
+            </a:r>
+            <a:r>
+              <a:rPr lang="en-GB" dirty="0" err="1"/>
+              <a:t>cid</a:t>
+            </a:r>
+            <a:r>
+              <a:rPr lang="en-GB" dirty="0"/>
+              <a:t>, tail(x)) </a:t>
+            </a:r>
+            <a:endParaRPr lang="en-GB" dirty="0" smtClean="0"/>
+          </a:p>
+          <a:p>
+            <a:pPr marL="0" indent="0">
+              <a:buNone/>
+            </a:pPr>
+            <a:r>
+              <a:rPr lang="en-GB" dirty="0"/>
+              <a:t>	</a:t>
+            </a:r>
+            <a:r>
+              <a:rPr lang="en-GB" dirty="0" smtClean="0"/>
+              <a:t>	FI </a:t>
+            </a:r>
+          </a:p>
+          <a:p>
+            <a:pPr marL="0" indent="0">
+              <a:buNone/>
+            </a:pPr>
+            <a:r>
+              <a:rPr lang="en-GB" dirty="0" smtClean="0"/>
+              <a:t>	FI</a:t>
+            </a:r>
+          </a:p>
+          <a:p>
+            <a:pPr marL="0" indent="0">
+              <a:buNone/>
+            </a:pPr>
+            <a:r>
+              <a:rPr lang="en-GB" dirty="0" smtClean="0"/>
+              <a:t>ENDDEF</a:t>
+            </a:r>
+            <a:endParaRPr lang="en-GB" dirty="0"/>
+          </a:p>
+          <a:p>
+            <a:pPr marL="0" indent="0">
+              <a:buNone/>
+            </a:pPr>
+            <a:r>
+              <a:rPr lang="en-GB" dirty="0"/>
+              <a:t>FUNCDEF </a:t>
+            </a:r>
+            <a:r>
+              <a:rPr lang="en-GB" dirty="0" err="1"/>
+              <a:t>validCustomerIDsInOrders</a:t>
+            </a:r>
+            <a:r>
+              <a:rPr lang="en-GB" dirty="0"/>
+              <a:t> ( o :: </a:t>
+            </a:r>
+            <a:r>
+              <a:rPr lang="en-GB" dirty="0" err="1"/>
+              <a:t>List_Order</a:t>
+            </a:r>
+            <a:r>
+              <a:rPr lang="en-GB" dirty="0"/>
+              <a:t>; c :: </a:t>
+            </a:r>
+            <a:r>
+              <a:rPr lang="en-GB" dirty="0" err="1"/>
+              <a:t>List_Customer</a:t>
+            </a:r>
+            <a:r>
+              <a:rPr lang="en-GB" dirty="0"/>
+              <a:t> ) :: Bool ::= </a:t>
+            </a:r>
+            <a:endParaRPr lang="en-GB" dirty="0" smtClean="0"/>
+          </a:p>
+          <a:p>
+            <a:pPr marL="0" indent="0">
+              <a:buNone/>
+            </a:pPr>
+            <a:r>
+              <a:rPr lang="en-GB" dirty="0"/>
+              <a:t>	</a:t>
+            </a:r>
+            <a:r>
+              <a:rPr lang="en-GB" dirty="0" smtClean="0"/>
+              <a:t>IF </a:t>
+            </a:r>
+            <a:r>
+              <a:rPr lang="en-GB" dirty="0" err="1"/>
+              <a:t>isNil_Order</a:t>
+            </a:r>
+            <a:r>
+              <a:rPr lang="en-GB" dirty="0"/>
+              <a:t> (o) </a:t>
+            </a:r>
+            <a:endParaRPr lang="en-GB" dirty="0" smtClean="0"/>
+          </a:p>
+          <a:p>
+            <a:pPr marL="0" indent="0">
+              <a:buNone/>
+            </a:pPr>
+            <a:r>
+              <a:rPr lang="en-GB" dirty="0"/>
+              <a:t>	</a:t>
+            </a:r>
+            <a:r>
+              <a:rPr lang="en-GB" dirty="0" smtClean="0"/>
+              <a:t>THEN </a:t>
+            </a:r>
+            <a:r>
+              <a:rPr lang="en-GB" dirty="0"/>
+              <a:t>True </a:t>
+            </a:r>
+            <a:endParaRPr lang="en-GB" dirty="0" smtClean="0"/>
+          </a:p>
+          <a:p>
+            <a:pPr marL="0" indent="0">
+              <a:buNone/>
+            </a:pPr>
+            <a:r>
+              <a:rPr lang="en-GB" dirty="0"/>
+              <a:t>	</a:t>
+            </a:r>
+            <a:r>
+              <a:rPr lang="en-GB" dirty="0" smtClean="0"/>
+              <a:t>ELSE </a:t>
+            </a:r>
+            <a:r>
+              <a:rPr lang="en-GB" dirty="0" err="1"/>
+              <a:t>containsCustomerID</a:t>
+            </a:r>
+            <a:r>
+              <a:rPr lang="en-GB" dirty="0"/>
+              <a:t>(</a:t>
+            </a:r>
+            <a:r>
+              <a:rPr lang="en-GB" dirty="0" err="1"/>
+              <a:t>customerID</a:t>
+            </a:r>
+            <a:r>
+              <a:rPr lang="en-GB" dirty="0"/>
+              <a:t>(head(o)), c</a:t>
+            </a:r>
+            <a:r>
+              <a:rPr lang="en-GB" dirty="0" smtClean="0"/>
+              <a:t>)</a:t>
+            </a:r>
+          </a:p>
+          <a:p>
+            <a:pPr marL="0" indent="0">
+              <a:buNone/>
+            </a:pPr>
+            <a:r>
+              <a:rPr lang="en-GB" dirty="0"/>
+              <a:t>	 </a:t>
+            </a:r>
+            <a:r>
+              <a:rPr lang="en-GB" dirty="0" smtClean="0"/>
+              <a:t>   </a:t>
+            </a:r>
+            <a:r>
+              <a:rPr lang="en-GB" dirty="0"/>
+              <a:t>/\ </a:t>
+            </a:r>
+            <a:r>
+              <a:rPr lang="en-GB" dirty="0" err="1"/>
+              <a:t>validCustomerIDsInOrders</a:t>
+            </a:r>
+            <a:r>
+              <a:rPr lang="en-GB" dirty="0"/>
+              <a:t> (tail(o), </a:t>
+            </a:r>
+            <a:r>
+              <a:rPr lang="en-GB" dirty="0" smtClean="0"/>
+              <a:t>c)</a:t>
+            </a:r>
+          </a:p>
+          <a:p>
+            <a:pPr marL="0" indent="0">
+              <a:buNone/>
+            </a:pPr>
+            <a:r>
+              <a:rPr lang="en-GB" dirty="0"/>
+              <a:t>	</a:t>
+            </a:r>
+            <a:r>
+              <a:rPr lang="en-GB" dirty="0" smtClean="0"/>
+              <a:t>FI</a:t>
+            </a:r>
+          </a:p>
+          <a:p>
+            <a:pPr marL="0" indent="0">
+              <a:buNone/>
+            </a:pPr>
+            <a:r>
+              <a:rPr lang="en-GB" dirty="0" smtClean="0"/>
+              <a:t>ENDDEF</a:t>
+            </a:r>
+            <a:endParaRPr lang="en-GB" dirty="0"/>
+          </a:p>
+          <a:p>
+            <a:pPr marL="0" indent="0">
+              <a:buNone/>
+            </a:pPr>
+            <a:endParaRPr lang="en-GB" dirty="0" smtClean="0"/>
+          </a:p>
+        </p:txBody>
+      </p:sp>
+    </p:spTree>
+    <p:extLst>
+      <p:ext uri="{BB962C8B-B14F-4D97-AF65-F5344CB8AC3E}">
+        <p14:creationId xmlns:p14="http://schemas.microsoft.com/office/powerpoint/2010/main" val="2219967370"/>
+      </p:ext>
+    </p:extLst>
+  </p:cSld>
+  <p:clrMapOvr>
+    <a:masterClrMapping/>
+  </p:clrMapOvr>
+  <mc:AlternateContent xmlns:mc="http://schemas.openxmlformats.org/markup-compatibility/2006">
+    <mc:Choice xmlns:p14="http://schemas.microsoft.com/office/powerpoint/2010/main" Requires="p14">
+      <p:transition spd="slow" p14:dur="2000"/>
+    </mc:Choice>
+    <mc:Fallback>
+      <p:transition spd="slow"/>
+    </mc:Fallback>
+  </mc:AlternateContent>
+</p:sld>
+</file>
+
+<file path=ppt/slides/slide11.xml><?xml version="1.0" encoding="utf-8"?>
 <p:sld xmlns:a="http://schemas.openxmlformats.org/drawingml/2006/main" xmlns:r="http://schemas.openxmlformats.org/officeDocument/2006/relationships" xmlns:p="http://schemas.openxmlformats.org/presentationml/2006/main">
   <p:cSld>
     <p:spTree>
@@ -3770,6 +4462,596 @@
         </p:nvSpPr>
         <p:spPr/>
         <p:txBody>
+          <a:bodyPr/>
+          <a:lstStyle/>
+          <a:p>
+            <a:r>
+              <a:rPr lang="nl-NL" dirty="0" err="1"/>
+              <a:t>Customers</a:t>
+            </a:r>
+            <a:r>
+              <a:rPr lang="nl-NL" dirty="0"/>
+              <a:t> Orders - </a:t>
+            </a:r>
+            <a:r>
+              <a:rPr lang="nl-NL" dirty="0" err="1"/>
+              <a:t>ProcDefs</a:t>
+            </a:r>
+            <a:endParaRPr lang="nl-NL" dirty="0"/>
+          </a:p>
+        </p:txBody>
+      </p:sp>
+      <p:sp>
+        <p:nvSpPr>
+          <p:cNvPr id="3" name="Content Placeholder 2"/>
+          <p:cNvSpPr>
+            <a:spLocks noGrp="1"/>
+          </p:cNvSpPr>
+          <p:nvPr>
+            <p:ph idx="1"/>
+          </p:nvPr>
+        </p:nvSpPr>
+        <p:spPr/>
+        <p:txBody>
+          <a:bodyPr>
+            <a:normAutofit fontScale="40000" lnSpcReduction="20000"/>
+          </a:bodyPr>
+          <a:lstStyle/>
+          <a:p>
+            <a:pPr marL="0" indent="0">
+              <a:buNone/>
+            </a:pPr>
+            <a:r>
+              <a:rPr lang="nl-NL" dirty="0"/>
+              <a:t>PROCDEF </a:t>
+            </a:r>
+            <a:r>
+              <a:rPr lang="nl-NL" dirty="0" err="1"/>
+              <a:t>bufferedOutput</a:t>
+            </a:r>
+            <a:r>
+              <a:rPr lang="nl-NL" dirty="0"/>
+              <a:t> [ </a:t>
+            </a:r>
+            <a:r>
+              <a:rPr lang="nl-NL" dirty="0" err="1"/>
+              <a:t>IReport</a:t>
+            </a:r>
+            <a:r>
+              <a:rPr lang="nl-NL" dirty="0"/>
+              <a:t>, </a:t>
+            </a:r>
+            <a:r>
+              <a:rPr lang="nl-NL" dirty="0" err="1"/>
+              <a:t>OReport</a:t>
+            </a:r>
+            <a:r>
+              <a:rPr lang="nl-NL" dirty="0"/>
+              <a:t> :: Report ] (queue :: </a:t>
+            </a:r>
+            <a:r>
+              <a:rPr lang="nl-NL" dirty="0" err="1"/>
+              <a:t>ReportList</a:t>
+            </a:r>
+            <a:r>
+              <a:rPr lang="nl-NL" dirty="0"/>
+              <a:t>) ::=</a:t>
+            </a:r>
+          </a:p>
+          <a:p>
+            <a:pPr marL="0" indent="0">
+              <a:buNone/>
+            </a:pPr>
+            <a:r>
+              <a:rPr lang="nl-NL" dirty="0"/>
+              <a:t>        </a:t>
+            </a:r>
+            <a:r>
+              <a:rPr lang="nl-NL" dirty="0" err="1"/>
+              <a:t>IReport</a:t>
+            </a:r>
+            <a:r>
+              <a:rPr lang="nl-NL" dirty="0"/>
+              <a:t> ? r &gt;-&gt; </a:t>
+            </a:r>
+            <a:r>
+              <a:rPr lang="nl-NL" dirty="0" err="1"/>
+              <a:t>bufferedOutput</a:t>
+            </a:r>
+            <a:r>
+              <a:rPr lang="nl-NL" dirty="0"/>
+              <a:t> [ </a:t>
+            </a:r>
+            <a:r>
+              <a:rPr lang="nl-NL" dirty="0" err="1"/>
+              <a:t>IReport</a:t>
+            </a:r>
+            <a:r>
+              <a:rPr lang="nl-NL" dirty="0"/>
+              <a:t>, </a:t>
+            </a:r>
+            <a:r>
+              <a:rPr lang="nl-NL" dirty="0" err="1"/>
+              <a:t>OReport</a:t>
+            </a:r>
+            <a:r>
+              <a:rPr lang="nl-NL" dirty="0"/>
+              <a:t> ] (</a:t>
+            </a:r>
+            <a:r>
+              <a:rPr lang="nl-NL" dirty="0" err="1"/>
+              <a:t>add</a:t>
+            </a:r>
+            <a:r>
+              <a:rPr lang="nl-NL" dirty="0"/>
+              <a:t> (r , queue))</a:t>
+            </a:r>
+          </a:p>
+          <a:p>
+            <a:pPr marL="0" indent="0">
+              <a:buNone/>
+            </a:pPr>
+            <a:r>
+              <a:rPr lang="nl-NL" dirty="0"/>
+              <a:t>    ##</a:t>
+            </a:r>
+          </a:p>
+          <a:p>
+            <a:pPr marL="0" indent="0">
+              <a:buNone/>
+            </a:pPr>
+            <a:r>
+              <a:rPr lang="nl-NL" dirty="0"/>
+              <a:t>        [[ </a:t>
+            </a:r>
+            <a:r>
+              <a:rPr lang="nl-NL" dirty="0" err="1"/>
+              <a:t>isCstr_Report</a:t>
+            </a:r>
+            <a:r>
+              <a:rPr lang="nl-NL" dirty="0"/>
+              <a:t> (queue) ]] =&gt;&gt; </a:t>
+            </a:r>
+            <a:r>
+              <a:rPr lang="nl-NL" dirty="0" err="1"/>
+              <a:t>OReport</a:t>
+            </a:r>
+            <a:r>
+              <a:rPr lang="nl-NL" dirty="0"/>
+              <a:t> ! </a:t>
+            </a:r>
+            <a:r>
+              <a:rPr lang="nl-NL" dirty="0" err="1"/>
+              <a:t>head</a:t>
+            </a:r>
+            <a:r>
+              <a:rPr lang="nl-NL" dirty="0"/>
+              <a:t>(queue) &gt;-&gt; </a:t>
+            </a:r>
+            <a:r>
+              <a:rPr lang="nl-NL" dirty="0" err="1"/>
+              <a:t>bufferedOutput</a:t>
+            </a:r>
+            <a:r>
+              <a:rPr lang="nl-NL" dirty="0"/>
+              <a:t> [ </a:t>
+            </a:r>
+            <a:r>
+              <a:rPr lang="nl-NL" dirty="0" err="1"/>
+              <a:t>IReport</a:t>
+            </a:r>
+            <a:r>
+              <a:rPr lang="nl-NL" dirty="0"/>
+              <a:t>, </a:t>
+            </a:r>
+            <a:r>
+              <a:rPr lang="nl-NL" dirty="0" err="1"/>
+              <a:t>OReport</a:t>
+            </a:r>
+            <a:r>
+              <a:rPr lang="nl-NL" dirty="0"/>
+              <a:t> ] (</a:t>
+            </a:r>
+            <a:r>
+              <a:rPr lang="nl-NL" dirty="0" err="1"/>
+              <a:t>tail</a:t>
+            </a:r>
+            <a:r>
+              <a:rPr lang="nl-NL" dirty="0"/>
+              <a:t>(queue))</a:t>
+            </a:r>
+          </a:p>
+          <a:p>
+            <a:pPr marL="0" indent="0">
+              <a:buNone/>
+            </a:pPr>
+            <a:r>
+              <a:rPr lang="nl-NL" dirty="0"/>
+              <a:t>ENDDEF</a:t>
+            </a:r>
+          </a:p>
+          <a:p>
+            <a:pPr marL="0" indent="0">
+              <a:buNone/>
+            </a:pPr>
+            <a:endParaRPr lang="nl-NL" dirty="0"/>
+          </a:p>
+          <a:p>
+            <a:pPr marL="0" indent="0">
+              <a:buNone/>
+            </a:pPr>
+            <a:r>
+              <a:rPr lang="nl-NL" dirty="0"/>
+              <a:t>PROCDEF handle [ Customer :: Customer; Order :: Order; Report :: Report ] </a:t>
+            </a:r>
+            <a:endParaRPr lang="nl-NL" dirty="0" smtClean="0"/>
+          </a:p>
+          <a:p>
+            <a:pPr marL="0" indent="0">
+              <a:buNone/>
+            </a:pPr>
+            <a:r>
+              <a:rPr lang="nl-NL" dirty="0"/>
+              <a:t> </a:t>
+            </a:r>
+            <a:r>
+              <a:rPr lang="nl-NL" dirty="0" smtClean="0"/>
+              <a:t>                             </a:t>
+            </a:r>
+            <a:r>
+              <a:rPr lang="nl-NL" dirty="0" smtClean="0"/>
+              <a:t>(</a:t>
+            </a:r>
+            <a:r>
+              <a:rPr lang="nl-NL" dirty="0" err="1"/>
+              <a:t>cs</a:t>
+            </a:r>
+            <a:r>
+              <a:rPr lang="nl-NL" dirty="0"/>
+              <a:t> :: </a:t>
+            </a:r>
+            <a:r>
+              <a:rPr lang="nl-NL" dirty="0" err="1"/>
+              <a:t>List_Customer</a:t>
+            </a:r>
+            <a:r>
+              <a:rPr lang="nl-NL" dirty="0"/>
+              <a:t>; os :: </a:t>
+            </a:r>
+            <a:r>
+              <a:rPr lang="nl-NL" dirty="0" err="1"/>
+              <a:t>List_Order</a:t>
+            </a:r>
+            <a:r>
+              <a:rPr lang="nl-NL" dirty="0"/>
+              <a:t>; </a:t>
+            </a:r>
+            <a:r>
+              <a:rPr lang="nl-NL" dirty="0" err="1"/>
+              <a:t>changed</a:t>
+            </a:r>
+            <a:r>
+              <a:rPr lang="nl-NL" dirty="0"/>
+              <a:t> :: </a:t>
+            </a:r>
+            <a:r>
+              <a:rPr lang="nl-NL" dirty="0" err="1"/>
+              <a:t>Bool</a:t>
+            </a:r>
+            <a:r>
+              <a:rPr lang="nl-NL" dirty="0"/>
+              <a:t>) EXIT ::= </a:t>
+            </a:r>
+          </a:p>
+          <a:p>
+            <a:pPr marL="0" indent="0">
+              <a:buNone/>
+            </a:pPr>
+            <a:r>
+              <a:rPr lang="nl-NL" dirty="0"/>
+              <a:t>        [[ </a:t>
+            </a:r>
+            <a:r>
+              <a:rPr lang="nl-NL" dirty="0" err="1"/>
+              <a:t>changed</a:t>
+            </a:r>
+            <a:r>
+              <a:rPr lang="nl-NL" dirty="0"/>
+              <a:t> ]] =&gt;&gt;   (   Report ! Report ( </a:t>
+            </a:r>
+            <a:r>
+              <a:rPr lang="nl-NL" dirty="0" err="1"/>
+              <a:t>cs</a:t>
+            </a:r>
+            <a:r>
+              <a:rPr lang="nl-NL" dirty="0"/>
+              <a:t>, os )</a:t>
+            </a:r>
+          </a:p>
+          <a:p>
+            <a:pPr marL="0" indent="0">
+              <a:buNone/>
+            </a:pPr>
+            <a:r>
+              <a:rPr lang="nl-NL" dirty="0"/>
+              <a:t>                            </a:t>
+            </a:r>
+            <a:r>
+              <a:rPr lang="nl-NL" dirty="0"/>
+              <a:t> </a:t>
+            </a:r>
+            <a:r>
+              <a:rPr lang="nl-NL" dirty="0" smtClean="0"/>
+              <a:t>            </a:t>
+            </a:r>
+            <a:r>
+              <a:rPr lang="nl-NL" dirty="0" smtClean="0"/>
+              <a:t>&gt;-&gt; </a:t>
+            </a:r>
+            <a:r>
+              <a:rPr lang="nl-NL" dirty="0"/>
+              <a:t>handle [Customer , Order , Report ] ( </a:t>
+            </a:r>
+            <a:r>
+              <a:rPr lang="nl-NL" dirty="0" err="1"/>
+              <a:t>cs</a:t>
+            </a:r>
+            <a:r>
+              <a:rPr lang="nl-NL" dirty="0"/>
+              <a:t> , os , </a:t>
+            </a:r>
+            <a:r>
+              <a:rPr lang="nl-NL" dirty="0" err="1"/>
+              <a:t>False</a:t>
+            </a:r>
+            <a:r>
+              <a:rPr lang="nl-NL" dirty="0"/>
+              <a:t>)</a:t>
+            </a:r>
+          </a:p>
+          <a:p>
+            <a:pPr marL="0" indent="0">
+              <a:buNone/>
+            </a:pPr>
+            <a:r>
+              <a:rPr lang="nl-NL" dirty="0"/>
+              <a:t>                            </a:t>
+            </a:r>
+            <a:r>
+              <a:rPr lang="nl-NL" dirty="0" smtClean="0"/>
+              <a:t>             )</a:t>
+            </a:r>
+            <a:endParaRPr lang="nl-NL" dirty="0"/>
+          </a:p>
+          <a:p>
+            <a:pPr marL="0" indent="0">
+              <a:buNone/>
+            </a:pPr>
+            <a:r>
+              <a:rPr lang="nl-NL" dirty="0"/>
+              <a:t>    ##</a:t>
+            </a:r>
+          </a:p>
+          <a:p>
+            <a:pPr marL="0" indent="0">
+              <a:buNone/>
+            </a:pPr>
+            <a:r>
+              <a:rPr lang="nl-NL" dirty="0"/>
+              <a:t>        (   Customer ? c [[ </a:t>
+            </a:r>
+            <a:r>
+              <a:rPr lang="nl-NL" dirty="0" err="1"/>
+              <a:t>isValid_Customer</a:t>
+            </a:r>
+            <a:r>
+              <a:rPr lang="nl-NL" dirty="0"/>
+              <a:t>(c) /\ </a:t>
+            </a:r>
+            <a:r>
+              <a:rPr lang="nl-NL" dirty="0" err="1"/>
+              <a:t>not</a:t>
+            </a:r>
+            <a:r>
+              <a:rPr lang="nl-NL" dirty="0"/>
+              <a:t> ( </a:t>
+            </a:r>
+            <a:r>
+              <a:rPr lang="nl-NL" dirty="0" err="1"/>
+              <a:t>containsCustomerID</a:t>
+            </a:r>
+            <a:r>
+              <a:rPr lang="nl-NL" dirty="0"/>
+              <a:t> ( </a:t>
+            </a:r>
+            <a:r>
+              <a:rPr lang="nl-NL" dirty="0" err="1"/>
+              <a:t>customerID</a:t>
+            </a:r>
+            <a:r>
+              <a:rPr lang="nl-NL" dirty="0"/>
+              <a:t> ( c ) , </a:t>
+            </a:r>
+            <a:r>
+              <a:rPr lang="nl-NL" dirty="0" err="1"/>
+              <a:t>cs</a:t>
+            </a:r>
+            <a:r>
+              <a:rPr lang="nl-NL" dirty="0"/>
+              <a:t> ) ) ]] </a:t>
+            </a:r>
+          </a:p>
+          <a:p>
+            <a:pPr marL="0" indent="0">
+              <a:buNone/>
+            </a:pPr>
+            <a:r>
+              <a:rPr lang="nl-NL" dirty="0"/>
+              <a:t>        &gt;-&gt; handle [Customer, Order, Report] ( </a:t>
+            </a:r>
+            <a:r>
+              <a:rPr lang="nl-NL" dirty="0" err="1"/>
+              <a:t>Cstr_Customer</a:t>
+            </a:r>
+            <a:r>
+              <a:rPr lang="nl-NL" dirty="0"/>
+              <a:t> ( c, </a:t>
+            </a:r>
+            <a:r>
+              <a:rPr lang="nl-NL" dirty="0" err="1"/>
+              <a:t>cs</a:t>
+            </a:r>
+            <a:r>
+              <a:rPr lang="nl-NL" dirty="0"/>
+              <a:t> ), os , True ) </a:t>
+            </a:r>
+          </a:p>
+          <a:p>
+            <a:pPr marL="0" indent="0">
+              <a:buNone/>
+            </a:pPr>
+            <a:r>
+              <a:rPr lang="nl-NL" dirty="0"/>
+              <a:t>        )</a:t>
+            </a:r>
+          </a:p>
+          <a:p>
+            <a:pPr marL="0" indent="0">
+              <a:buNone/>
+            </a:pPr>
+            <a:r>
+              <a:rPr lang="nl-NL" dirty="0"/>
+              <a:t>    ##</a:t>
+            </a:r>
+          </a:p>
+          <a:p>
+            <a:pPr marL="0" indent="0">
+              <a:buNone/>
+            </a:pPr>
+            <a:r>
+              <a:rPr lang="nl-NL" dirty="0"/>
+              <a:t>        (   Order ? o [[ </a:t>
+            </a:r>
+            <a:r>
+              <a:rPr lang="nl-NL" dirty="0" err="1"/>
+              <a:t>isValid_Order</a:t>
+            </a:r>
+            <a:r>
+              <a:rPr lang="nl-NL" dirty="0"/>
+              <a:t>(o) /\ </a:t>
+            </a:r>
+            <a:r>
+              <a:rPr lang="nl-NL" dirty="0" err="1"/>
+              <a:t>containsCustomerID</a:t>
+            </a:r>
+            <a:r>
+              <a:rPr lang="nl-NL" dirty="0"/>
+              <a:t> ( </a:t>
+            </a:r>
+            <a:r>
+              <a:rPr lang="nl-NL" dirty="0" err="1"/>
+              <a:t>customerID</a:t>
+            </a:r>
+            <a:r>
+              <a:rPr lang="nl-NL" dirty="0"/>
+              <a:t>(o), </a:t>
+            </a:r>
+            <a:r>
+              <a:rPr lang="nl-NL" dirty="0" err="1"/>
+              <a:t>cs</a:t>
+            </a:r>
+            <a:r>
+              <a:rPr lang="nl-NL" dirty="0"/>
+              <a:t> ) ]] </a:t>
+            </a:r>
+          </a:p>
+          <a:p>
+            <a:pPr marL="0" indent="0">
+              <a:buNone/>
+            </a:pPr>
+            <a:r>
+              <a:rPr lang="nl-NL" dirty="0"/>
+              <a:t>        &gt;-&gt; handle [Customer, Order, Report] ( </a:t>
+            </a:r>
+            <a:r>
+              <a:rPr lang="nl-NL" dirty="0" err="1"/>
+              <a:t>cs</a:t>
+            </a:r>
+            <a:r>
+              <a:rPr lang="nl-NL" dirty="0"/>
+              <a:t>, </a:t>
+            </a:r>
+            <a:r>
+              <a:rPr lang="nl-NL" dirty="0" err="1"/>
+              <a:t>Cstr_Order</a:t>
+            </a:r>
+            <a:r>
+              <a:rPr lang="nl-NL" dirty="0"/>
+              <a:t> ( o, os ) , True ) </a:t>
+            </a:r>
+          </a:p>
+          <a:p>
+            <a:pPr marL="0" indent="0">
+              <a:buNone/>
+            </a:pPr>
+            <a:r>
+              <a:rPr lang="nl-NL" dirty="0"/>
+              <a:t>        )</a:t>
+            </a:r>
+          </a:p>
+          <a:p>
+            <a:pPr marL="0" indent="0">
+              <a:buNone/>
+            </a:pPr>
+            <a:r>
+              <a:rPr lang="nl-NL" dirty="0"/>
+              <a:t>ENDDEF</a:t>
+            </a:r>
+          </a:p>
+        </p:txBody>
+      </p:sp>
+    </p:spTree>
+    <p:extLst>
+      <p:ext uri="{BB962C8B-B14F-4D97-AF65-F5344CB8AC3E}">
+        <p14:creationId xmlns:p14="http://schemas.microsoft.com/office/powerpoint/2010/main" val="2958999934"/>
+      </p:ext>
+    </p:extLst>
+  </p:cSld>
+  <p:clrMapOvr>
+    <a:masterClrMapping/>
+  </p:clrMapOvr>
+</p:sld>
+</file>
+
+<file path=ppt/slides/slide12.xml><?xml version="1.0" encoding="utf-8"?>
+<p:sld xmlns:a="http://schemas.openxmlformats.org/drawingml/2006/main" xmlns:r="http://schemas.openxmlformats.org/officeDocument/2006/relationships" xmlns:p="http://schemas.openxmlformats.org/presentationml/2006/main">
+  <p:cSld>
+    <p:spTree>
+      <p:nvGrpSpPr>
+        <p:cNvPr id="1" name=""/>
+        <p:cNvGrpSpPr/>
+        <p:nvPr/>
+      </p:nvGrpSpPr>
+      <p:grpSpPr>
+        <a:xfrm>
+          <a:off x="0" y="0"/>
+          <a:ext cx="0" cy="0"/>
+          <a:chOff x="0" y="0"/>
+          <a:chExt cx="0" cy="0"/>
+        </a:xfrm>
+      </p:grpSpPr>
+      <p:sp>
+        <p:nvSpPr>
+          <p:cNvPr id="2" name="Title 1"/>
+          <p:cNvSpPr>
+            <a:spLocks noGrp="1"/>
+          </p:cNvSpPr>
+          <p:nvPr>
+            <p:ph type="title"/>
+          </p:nvPr>
+        </p:nvSpPr>
+        <p:spPr/>
+        <p:txBody>
           <a:bodyPr>
             <a:normAutofit/>
           </a:bodyPr>
@@ -3956,7 +5238,6 @@
               <a:rPr lang="en-GB" sz="2000" dirty="0"/>
               <a:t>ENDDEF</a:t>
             </a:r>
-            <a:endParaRPr lang="en-GB" sz="2000" dirty="0"/>
           </a:p>
         </p:txBody>
       </p:sp>
@@ -3973,7 +5254,7 @@
 </p:sld>
 </file>
 
-<file path=ppt/slides/slide11.xml><?xml version="1.0" encoding="utf-8"?>
+<file path=ppt/slides/slide13.xml><?xml version="1.0" encoding="utf-8"?>
 <p:sld xmlns:a="http://schemas.openxmlformats.org/drawingml/2006/main" xmlns:r="http://schemas.openxmlformats.org/officeDocument/2006/relationships" xmlns:p="http://schemas.openxmlformats.org/presentationml/2006/main">
   <p:cSld>
     <p:spTree>
@@ -4258,67 +5539,43 @@
           <a:p>
             <a:r>
               <a:rPr lang="en-GB" dirty="0"/>
-              <a:t>Customers Orders XSD</a:t>
-            </a:r>
+              <a:t>Customers </a:t>
+            </a:r>
+            <a:r>
+              <a:rPr lang="en-GB" dirty="0" smtClean="0"/>
+              <a:t>Orders XML</a:t>
+            </a:r>
+            <a:endParaRPr lang="en-GB" dirty="0"/>
           </a:p>
         </p:txBody>
       </p:sp>
       <p:pic>
         <p:nvPicPr>
-          <p:cNvPr id="2050" name="Picture 2"/>
+          <p:cNvPr id="3" name="Picture 2"/>
           <p:cNvPicPr>
-            <a:picLocks noChangeAspect="1" noChangeArrowheads="1"/>
+            <a:picLocks noChangeAspect="1"/>
           </p:cNvPicPr>
           <p:nvPr/>
         </p:nvPicPr>
         <p:blipFill rotWithShape="1">
-          <a:blip r:embed="rId3">
-            <a:extLst>
-              <a:ext uri="{28A0092B-C50C-407E-A947-70E740481C1C}">
-                <a14:useLocalDpi xmlns:a14="http://schemas.microsoft.com/office/drawing/2010/main" val="0"/>
-              </a:ext>
-            </a:extLst>
-          </a:blip>
-          <a:srcRect r="17481"/>
+          <a:blip r:embed="rId3"/>
+          <a:srcRect l="13745" t="8691" r="14146" b="6572"/>
           <a:stretch/>
         </p:blipFill>
-        <p:spPr bwMode="auto">
+        <p:spPr>
           <a:xfrm>
-            <a:off x="395536" y="1412776"/>
-            <a:ext cx="7951759" cy="5179470"/>
+            <a:off x="539552" y="1268760"/>
+            <a:ext cx="8064896" cy="5331033"/>
           </a:xfrm>
           <a:prstGeom prst="rect">
             <a:avLst/>
           </a:prstGeom>
-          <a:noFill/>
-          <a:ln>
-            <a:noFill/>
-          </a:ln>
-          <a:extLst>
-            <a:ext uri="{909E8E84-426E-40DD-AFC4-6F175D3DCCD1}">
-              <a14:hiddenFill xmlns:a14="http://schemas.microsoft.com/office/drawing/2010/main">
-                <a:solidFill>
-                  <a:schemeClr val="accent1"/>
-                </a:solidFill>
-              </a14:hiddenFill>
-            </a:ext>
-            <a:ext uri="{91240B29-F687-4F45-9708-019B960494DF}">
-              <a14:hiddenLine xmlns:a14="http://schemas.microsoft.com/office/drawing/2010/main" w="9525">
-                <a:solidFill>
-                  <a:schemeClr val="tx1"/>
-                </a:solidFill>
-                <a:miter lim="800000"/>
-                <a:headEnd/>
-                <a:tailEnd/>
-              </a14:hiddenLine>
-            </a:ext>
-          </a:extLst>
         </p:spPr>
       </p:pic>
     </p:spTree>
     <p:extLst>
       <p:ext uri="{BB962C8B-B14F-4D97-AF65-F5344CB8AC3E}">
-        <p14:creationId xmlns:p14="http://schemas.microsoft.com/office/powerpoint/2010/main" val="4158367932"/>
+        <p14:creationId xmlns:p14="http://schemas.microsoft.com/office/powerpoint/2010/main" val="923314487"/>
       </p:ext>
     </p:extLst>
   </p:cSld>
@@ -4362,72 +5619,38 @@
           <a:p>
             <a:r>
               <a:rPr lang="en-GB" dirty="0"/>
-              <a:t>Customers Orders SUT</a:t>
-            </a:r>
-          </a:p>
-        </p:txBody>
-      </p:sp>
-      <p:sp>
-        <p:nvSpPr>
-          <p:cNvPr id="3" name="Content Placeholder 2"/>
-          <p:cNvSpPr>
-            <a:spLocks noGrp="1"/>
-          </p:cNvSpPr>
-          <p:nvPr>
-            <p:ph idx="1"/>
-          </p:nvPr>
-        </p:nvSpPr>
-        <p:spPr/>
-        <p:txBody>
-          <a:bodyPr>
-            <a:normAutofit/>
-          </a:bodyPr>
-          <a:lstStyle/>
-          <a:p>
-            <a:r>
-              <a:rPr lang="en-US" dirty="0"/>
-              <a:t>The system under test has two input channels</a:t>
-            </a:r>
-          </a:p>
-          <a:p>
-            <a:pPr marL="914400" lvl="1" indent="-514350">
-              <a:buFont typeface="+mj-lt"/>
-              <a:buAutoNum type="arabicPeriod"/>
-            </a:pPr>
-            <a:r>
-              <a:rPr lang="en-US" sz="3200" dirty="0"/>
-              <a:t>A new customer (in xml).</a:t>
-            </a:r>
-          </a:p>
-          <a:p>
-            <a:pPr marL="914400" lvl="1" indent="-514350">
-              <a:buFont typeface="+mj-lt"/>
-              <a:buAutoNum type="arabicPeriod"/>
-            </a:pPr>
-            <a:r>
-              <a:rPr lang="en-US" sz="3200" dirty="0"/>
-              <a:t>A new order (in xml).</a:t>
-            </a:r>
-          </a:p>
-          <a:p>
-            <a:r>
-              <a:rPr lang="en-US" dirty="0"/>
-              <a:t>The system under test has one output channel</a:t>
-            </a:r>
-            <a:br>
-              <a:rPr lang="en-US" dirty="0"/>
-            </a:br>
-            <a:r>
-              <a:rPr lang="en-US" dirty="0"/>
-              <a:t>the current report that contains all received customers and orders (in xml).</a:t>
-            </a:r>
-          </a:p>
-        </p:txBody>
-      </p:sp>
+              <a:t>Customers Orders XSD</a:t>
+            </a:r>
+          </a:p>
+        </p:txBody>
+      </p:sp>
+      <p:pic>
+        <p:nvPicPr>
+          <p:cNvPr id="3" name="Picture 2"/>
+          <p:cNvPicPr>
+            <a:picLocks noChangeAspect="1"/>
+          </p:cNvPicPr>
+          <p:nvPr/>
+        </p:nvPicPr>
+        <p:blipFill rotWithShape="1">
+          <a:blip r:embed="rId3"/>
+          <a:srcRect l="13839" t="8946" r="13192" b="6063"/>
+          <a:stretch/>
+        </p:blipFill>
+        <p:spPr>
+          <a:xfrm>
+            <a:off x="395536" y="1196752"/>
+            <a:ext cx="8352928" cy="5472609"/>
+          </a:xfrm>
+          <a:prstGeom prst="rect">
+            <a:avLst/>
+          </a:prstGeom>
+        </p:spPr>
+      </p:pic>
     </p:spTree>
     <p:extLst>
       <p:ext uri="{BB962C8B-B14F-4D97-AF65-F5344CB8AC3E}">
-        <p14:creationId xmlns:p14="http://schemas.microsoft.com/office/powerpoint/2010/main" val="2675696779"/>
+        <p14:creationId xmlns:p14="http://schemas.microsoft.com/office/powerpoint/2010/main" val="4158367932"/>
       </p:ext>
     </p:extLst>
   </p:cSld>
@@ -4466,268 +5689,250 @@
         </p:nvSpPr>
         <p:spPr/>
         <p:txBody>
-          <a:bodyPr>
-            <a:normAutofit fontScale="90000"/>
+          <a:bodyPr/>
+          <a:lstStyle/>
+          <a:p>
+            <a:r>
+              <a:rPr lang="en-GB" dirty="0"/>
+              <a:t>Customers Orders SUT</a:t>
+            </a:r>
+          </a:p>
+        </p:txBody>
+      </p:sp>
+      <p:sp>
+        <p:nvSpPr>
+          <p:cNvPr id="4" name="Rectangle 3"/>
+          <p:cNvSpPr/>
+          <p:nvPr/>
+        </p:nvSpPr>
+        <p:spPr>
+          <a:xfrm>
+            <a:off x="2771800" y="2204864"/>
+            <a:ext cx="3816424" cy="2592288"/>
+          </a:xfrm>
+          <a:prstGeom prst="rect">
+            <a:avLst/>
+          </a:prstGeom>
+        </p:spPr>
+        <p:style>
+          <a:lnRef idx="2">
+            <a:schemeClr val="accent1">
+              <a:shade val="50000"/>
+            </a:schemeClr>
+          </a:lnRef>
+          <a:fillRef idx="1">
+            <a:schemeClr val="accent1"/>
+          </a:fillRef>
+          <a:effectRef idx="0">
+            <a:schemeClr val="accent1"/>
+          </a:effectRef>
+          <a:fontRef idx="minor">
+            <a:schemeClr val="lt1"/>
+          </a:fontRef>
+        </p:style>
+        <p:txBody>
+          <a:bodyPr rtlCol="0" anchor="ctr"/>
+          <a:lstStyle/>
+          <a:p>
+            <a:pPr algn="ctr"/>
+            <a:r>
+              <a:rPr lang="en-US" dirty="0" smtClean="0"/>
+              <a:t>SUT</a:t>
+            </a:r>
+            <a:endParaRPr lang="en-US" dirty="0"/>
+          </a:p>
+        </p:txBody>
+      </p:sp>
+      <p:cxnSp>
+        <p:nvCxnSpPr>
+          <p:cNvPr id="6" name="Straight Arrow Connector 5"/>
+          <p:cNvCxnSpPr/>
+          <p:nvPr/>
+        </p:nvCxnSpPr>
+        <p:spPr>
+          <a:xfrm>
+            <a:off x="719187" y="2708920"/>
+            <a:ext cx="2052613" cy="0"/>
+          </a:xfrm>
+          <a:prstGeom prst="straightConnector1">
+            <a:avLst/>
+          </a:prstGeom>
+          <a:ln w="63500">
+            <a:tailEnd type="triangle"/>
+          </a:ln>
+        </p:spPr>
+        <p:style>
+          <a:lnRef idx="1">
+            <a:schemeClr val="accent1"/>
+          </a:lnRef>
+          <a:fillRef idx="0">
+            <a:schemeClr val="accent1"/>
+          </a:fillRef>
+          <a:effectRef idx="0">
+            <a:schemeClr val="accent1"/>
+          </a:effectRef>
+          <a:fontRef idx="minor">
+            <a:schemeClr val="tx1"/>
+          </a:fontRef>
+        </p:style>
+      </p:cxnSp>
+      <p:cxnSp>
+        <p:nvCxnSpPr>
+          <p:cNvPr id="7" name="Straight Arrow Connector 6"/>
+          <p:cNvCxnSpPr/>
+          <p:nvPr/>
+        </p:nvCxnSpPr>
+        <p:spPr>
+          <a:xfrm>
+            <a:off x="719187" y="4149080"/>
+            <a:ext cx="2052613" cy="0"/>
+          </a:xfrm>
+          <a:prstGeom prst="straightConnector1">
+            <a:avLst/>
+          </a:prstGeom>
+          <a:ln w="63500">
+            <a:tailEnd type="triangle"/>
+          </a:ln>
+        </p:spPr>
+        <p:style>
+          <a:lnRef idx="1">
+            <a:schemeClr val="accent1"/>
+          </a:lnRef>
+          <a:fillRef idx="0">
+            <a:schemeClr val="accent1"/>
+          </a:fillRef>
+          <a:effectRef idx="0">
+            <a:schemeClr val="accent1"/>
+          </a:effectRef>
+          <a:fontRef idx="minor">
+            <a:schemeClr val="tx1"/>
+          </a:fontRef>
+        </p:style>
+      </p:cxnSp>
+      <p:cxnSp>
+        <p:nvCxnSpPr>
+          <p:cNvPr id="8" name="Straight Arrow Connector 7"/>
+          <p:cNvCxnSpPr/>
+          <p:nvPr/>
+        </p:nvCxnSpPr>
+        <p:spPr>
+          <a:xfrm>
+            <a:off x="6588224" y="3501008"/>
+            <a:ext cx="2139908" cy="0"/>
+          </a:xfrm>
+          <a:prstGeom prst="straightConnector1">
+            <a:avLst/>
+          </a:prstGeom>
+          <a:ln w="63500">
+            <a:tailEnd type="triangle"/>
+          </a:ln>
+        </p:spPr>
+        <p:style>
+          <a:lnRef idx="1">
+            <a:schemeClr val="accent1"/>
+          </a:lnRef>
+          <a:fillRef idx="0">
+            <a:schemeClr val="accent1"/>
+          </a:fillRef>
+          <a:effectRef idx="0">
+            <a:schemeClr val="accent1"/>
+          </a:effectRef>
+          <a:fontRef idx="minor">
+            <a:schemeClr val="tx1"/>
+          </a:fontRef>
+        </p:style>
+      </p:cxnSp>
+      <p:sp>
+        <p:nvSpPr>
+          <p:cNvPr id="9" name="Rectangle 8"/>
+          <p:cNvSpPr/>
+          <p:nvPr/>
+        </p:nvSpPr>
+        <p:spPr>
+          <a:xfrm>
+            <a:off x="719187" y="2173155"/>
+            <a:ext cx="2052613" cy="369332"/>
+          </a:xfrm>
+          <a:prstGeom prst="rect">
+            <a:avLst/>
+          </a:prstGeom>
+        </p:spPr>
+        <p:txBody>
+          <a:bodyPr wrap="none">
+            <a:spAutoFit/>
           </a:bodyPr>
           <a:lstStyle/>
           <a:p>
             <a:r>
-              <a:rPr lang="en-GB" dirty="0"/>
-              <a:t>Customer Orders </a:t>
-            </a:r>
-            <a:r>
-              <a:rPr lang="en-GB" dirty="0" err="1"/>
-              <a:t>TorXakis</a:t>
-            </a:r>
-            <a:r>
-              <a:rPr lang="en-GB" dirty="0"/>
-              <a:t> data types</a:t>
-            </a:r>
-          </a:p>
-        </p:txBody>
-      </p:sp>
-      <p:sp>
-        <p:nvSpPr>
-          <p:cNvPr id="3" name="Content Placeholder 2"/>
-          <p:cNvSpPr>
-            <a:spLocks noGrp="1"/>
-          </p:cNvSpPr>
-          <p:nvPr>
-            <p:ph idx="1"/>
-          </p:nvPr>
-        </p:nvSpPr>
-        <p:spPr/>
-        <p:txBody>
-          <a:bodyPr>
-            <a:normAutofit fontScale="62500" lnSpcReduction="20000"/>
+              <a:rPr lang="en-US" dirty="0" smtClean="0"/>
+              <a:t>new customer (xml)</a:t>
+            </a:r>
+            <a:endParaRPr lang="en-US" dirty="0"/>
+          </a:p>
+        </p:txBody>
+      </p:sp>
+      <p:sp>
+        <p:nvSpPr>
+          <p:cNvPr id="12" name="Rectangle 11"/>
+          <p:cNvSpPr/>
+          <p:nvPr/>
+        </p:nvSpPr>
+        <p:spPr>
+          <a:xfrm>
+            <a:off x="1014202" y="3635732"/>
+            <a:ext cx="1685590" cy="369332"/>
+          </a:xfrm>
+          <a:prstGeom prst="rect">
+            <a:avLst/>
+          </a:prstGeom>
+        </p:spPr>
+        <p:txBody>
+          <a:bodyPr wrap="none">
+            <a:spAutoFit/>
           </a:bodyPr>
           <a:lstStyle/>
           <a:p>
-            <a:pPr marL="0" indent="0">
-              <a:buNone/>
-            </a:pPr>
-            <a:r>
-              <a:rPr lang="en-GB" dirty="0"/>
-              <a:t>TYPEDEF </a:t>
-            </a:r>
-            <a:r>
-              <a:rPr lang="en-GB" dirty="0" err="1"/>
-              <a:t>RootType</a:t>
-            </a:r>
-            <a:r>
-              <a:rPr lang="en-GB" dirty="0"/>
-              <a:t> ::= </a:t>
-            </a:r>
-          </a:p>
-          <a:p>
-            <a:pPr marL="0" indent="0">
-              <a:buNone/>
-            </a:pPr>
-            <a:r>
-              <a:rPr lang="en-GB" dirty="0"/>
-              <a:t>    </a:t>
-            </a:r>
-            <a:r>
-              <a:rPr lang="en-GB" dirty="0" err="1"/>
-              <a:t>C_RootType</a:t>
-            </a:r>
-            <a:r>
-              <a:rPr lang="en-GB" dirty="0"/>
-              <a:t> { customers :: </a:t>
-            </a:r>
-            <a:r>
-              <a:rPr lang="en-GB" dirty="0" err="1"/>
-              <a:t>List_CustomerType</a:t>
-            </a:r>
-            <a:r>
-              <a:rPr lang="en-GB" dirty="0"/>
-              <a:t> ; orders :: </a:t>
-            </a:r>
-            <a:r>
-              <a:rPr lang="en-GB" dirty="0" err="1"/>
-              <a:t>List_OrderType</a:t>
-            </a:r>
-            <a:r>
-              <a:rPr lang="en-GB" dirty="0"/>
-              <a:t> }</a:t>
-            </a:r>
-          </a:p>
-          <a:p>
-            <a:pPr marL="0" indent="0">
-              <a:buNone/>
-            </a:pPr>
-            <a:r>
-              <a:rPr lang="en-GB" dirty="0"/>
-              <a:t>ENDDEF</a:t>
-            </a:r>
-          </a:p>
-          <a:p>
-            <a:pPr marL="0" indent="0">
-              <a:buNone/>
-            </a:pPr>
-            <a:endParaRPr lang="en-GB" dirty="0"/>
-          </a:p>
-          <a:p>
-            <a:pPr marL="0" indent="0">
-              <a:buNone/>
-            </a:pPr>
-            <a:r>
-              <a:rPr lang="en-GB" dirty="0"/>
-              <a:t>TYPEDEF </a:t>
-            </a:r>
-            <a:r>
-              <a:rPr lang="en-GB" dirty="0" err="1"/>
-              <a:t>List_CustomerType</a:t>
-            </a:r>
-            <a:r>
-              <a:rPr lang="en-GB" dirty="0"/>
-              <a:t> ::= </a:t>
-            </a:r>
-          </a:p>
-          <a:p>
-            <a:pPr marL="0" indent="0">
-              <a:buNone/>
-            </a:pPr>
-            <a:r>
-              <a:rPr lang="en-GB" dirty="0"/>
-              <a:t>      </a:t>
-            </a:r>
-            <a:r>
-              <a:rPr lang="en-GB" dirty="0" err="1"/>
-              <a:t>CNil_CustomerType</a:t>
-            </a:r>
-            <a:endParaRPr lang="en-GB" dirty="0"/>
-          </a:p>
-          <a:p>
-            <a:pPr marL="0" indent="0">
-              <a:buNone/>
-            </a:pPr>
-            <a:r>
-              <a:rPr lang="en-GB" dirty="0"/>
-              <a:t>    | </a:t>
-            </a:r>
-            <a:r>
-              <a:rPr lang="en-GB" dirty="0" err="1"/>
-              <a:t>Cstr_CustomerType</a:t>
-            </a:r>
-            <a:r>
-              <a:rPr lang="en-GB" dirty="0"/>
-              <a:t> { head :: </a:t>
-            </a:r>
-            <a:r>
-              <a:rPr lang="en-GB" dirty="0" err="1"/>
-              <a:t>CustomerType</a:t>
-            </a:r>
-            <a:r>
-              <a:rPr lang="en-GB" dirty="0"/>
-              <a:t>; tail :: </a:t>
-            </a:r>
-            <a:r>
-              <a:rPr lang="en-GB" dirty="0" err="1"/>
-              <a:t>List_CustomerType</a:t>
-            </a:r>
-            <a:r>
-              <a:rPr lang="en-GB" dirty="0"/>
-              <a:t> } </a:t>
-            </a:r>
-          </a:p>
-          <a:p>
-            <a:pPr marL="0" indent="0">
-              <a:buNone/>
-            </a:pPr>
-            <a:r>
-              <a:rPr lang="en-GB" dirty="0"/>
-              <a:t>ENDDEF</a:t>
-            </a:r>
-          </a:p>
-          <a:p>
-            <a:pPr marL="0" indent="0">
-              <a:buNone/>
-            </a:pPr>
-            <a:endParaRPr lang="en-GB" dirty="0"/>
-          </a:p>
-          <a:p>
-            <a:pPr marL="0" indent="0">
-              <a:buNone/>
-            </a:pPr>
-            <a:r>
-              <a:rPr lang="en-GB" dirty="0"/>
-              <a:t>TYPEDEF </a:t>
-            </a:r>
-            <a:r>
-              <a:rPr lang="en-GB" dirty="0" err="1"/>
-              <a:t>List_OrderType</a:t>
-            </a:r>
-            <a:r>
-              <a:rPr lang="en-GB" dirty="0"/>
-              <a:t> ::= </a:t>
-            </a:r>
-          </a:p>
-          <a:p>
-            <a:pPr marL="0" indent="0">
-              <a:buNone/>
-            </a:pPr>
-            <a:r>
-              <a:rPr lang="en-GB" dirty="0"/>
-              <a:t>      </a:t>
-            </a:r>
-            <a:r>
-              <a:rPr lang="en-GB" dirty="0" err="1"/>
-              <a:t>CNil_OrderType</a:t>
-            </a:r>
-            <a:r>
-              <a:rPr lang="en-GB" dirty="0"/>
-              <a:t> </a:t>
-            </a:r>
-          </a:p>
-          <a:p>
-            <a:pPr marL="0" indent="0">
-              <a:buNone/>
-            </a:pPr>
-            <a:r>
-              <a:rPr lang="en-GB" dirty="0"/>
-              <a:t>    | </a:t>
-            </a:r>
-            <a:r>
-              <a:rPr lang="en-GB" dirty="0" err="1"/>
-              <a:t>Cstr_OrderType</a:t>
-            </a:r>
-            <a:r>
-              <a:rPr lang="en-GB" dirty="0"/>
-              <a:t> { head :: </a:t>
-            </a:r>
-            <a:r>
-              <a:rPr lang="en-GB" dirty="0" err="1"/>
-              <a:t>OrderType</a:t>
-            </a:r>
-            <a:r>
-              <a:rPr lang="en-GB" dirty="0"/>
-              <a:t>; tail :: </a:t>
-            </a:r>
-            <a:r>
-              <a:rPr lang="en-GB" dirty="0" err="1"/>
-              <a:t>List_OrderType</a:t>
-            </a:r>
-            <a:r>
-              <a:rPr lang="en-GB" dirty="0"/>
-              <a:t> } </a:t>
-            </a:r>
-          </a:p>
-          <a:p>
-            <a:pPr marL="0" indent="0">
-              <a:buNone/>
-            </a:pPr>
-            <a:r>
-              <a:rPr lang="en-GB" dirty="0"/>
-              <a:t>ENDDEF</a:t>
-            </a:r>
+            <a:r>
+              <a:rPr lang="en-US" dirty="0" smtClean="0"/>
+              <a:t>new order (xml)</a:t>
+            </a:r>
+            <a:endParaRPr lang="en-US" dirty="0"/>
+          </a:p>
+        </p:txBody>
+      </p:sp>
+      <p:sp>
+        <p:nvSpPr>
+          <p:cNvPr id="13" name="Rectangle 12"/>
+          <p:cNvSpPr/>
+          <p:nvPr/>
+        </p:nvSpPr>
+        <p:spPr>
+          <a:xfrm>
+            <a:off x="6588224" y="2987660"/>
+            <a:ext cx="2147126" cy="369332"/>
+          </a:xfrm>
+          <a:prstGeom prst="rect">
+            <a:avLst/>
+          </a:prstGeom>
+        </p:spPr>
+        <p:txBody>
+          <a:bodyPr wrap="none">
+            <a:spAutoFit/>
+          </a:bodyPr>
+          <a:lstStyle/>
+          <a:p>
+            <a:r>
+              <a:rPr lang="en-US" dirty="0" smtClean="0"/>
+              <a:t>updated report (xml)</a:t>
+            </a:r>
+            <a:endParaRPr lang="en-US" dirty="0"/>
           </a:p>
         </p:txBody>
       </p:sp>
     </p:spTree>
     <p:extLst>
       <p:ext uri="{BB962C8B-B14F-4D97-AF65-F5344CB8AC3E}">
-        <p14:creationId xmlns:p14="http://schemas.microsoft.com/office/powerpoint/2010/main" val="2877112638"/>
+        <p14:creationId xmlns:p14="http://schemas.microsoft.com/office/powerpoint/2010/main" val="2675696779"/>
       </p:ext>
     </p:extLst>
   </p:cSld>
@@ -4766,308 +5971,59 @@
         </p:nvSpPr>
         <p:spPr/>
         <p:txBody>
+          <a:bodyPr/>
+          <a:lstStyle/>
+          <a:p>
+            <a:r>
+              <a:rPr lang="en-GB" dirty="0"/>
+              <a:t>Customers Orders SUT</a:t>
+            </a:r>
+          </a:p>
+        </p:txBody>
+      </p:sp>
+      <p:sp>
+        <p:nvSpPr>
+          <p:cNvPr id="3" name="Content Placeholder 2"/>
+          <p:cNvSpPr>
+            <a:spLocks noGrp="1"/>
+          </p:cNvSpPr>
+          <p:nvPr>
+            <p:ph idx="1"/>
+          </p:nvPr>
+        </p:nvSpPr>
+        <p:spPr/>
+        <p:txBody>
           <a:bodyPr>
-            <a:normAutofit fontScale="90000"/>
+            <a:normAutofit/>
           </a:bodyPr>
           <a:lstStyle/>
           <a:p>
             <a:r>
-              <a:rPr lang="en-GB" dirty="0"/>
-              <a:t>Customer Orders </a:t>
-            </a:r>
-            <a:r>
-              <a:rPr lang="en-GB" dirty="0" err="1"/>
-              <a:t>TorXakis</a:t>
-            </a:r>
-            <a:r>
-              <a:rPr lang="en-GB" dirty="0"/>
-              <a:t> data types</a:t>
-            </a:r>
-          </a:p>
-        </p:txBody>
-      </p:sp>
-      <p:sp>
-        <p:nvSpPr>
-          <p:cNvPr id="3" name="Content Placeholder 2"/>
-          <p:cNvSpPr>
-            <a:spLocks noGrp="1"/>
-          </p:cNvSpPr>
-          <p:nvPr>
-            <p:ph idx="1"/>
-          </p:nvPr>
-        </p:nvSpPr>
-        <p:spPr/>
-        <p:txBody>
-          <a:bodyPr>
-            <a:noAutofit/>
-          </a:bodyPr>
-          <a:lstStyle/>
-          <a:p>
-            <a:pPr marL="0" indent="0">
-              <a:buNone/>
-            </a:pPr>
-            <a:r>
-              <a:rPr lang="en-GB" sz="1600" dirty="0"/>
-              <a:t>TYPEDEF </a:t>
-            </a:r>
-            <a:r>
-              <a:rPr lang="en-GB" sz="1600" dirty="0"/>
-              <a:t>Customer</a:t>
-            </a:r>
-            <a:r>
-              <a:rPr lang="en-GB" sz="1600" dirty="0"/>
-              <a:t> ::= </a:t>
-            </a:r>
-          </a:p>
-          <a:p>
-            <a:pPr marL="0" indent="0">
-              <a:buNone/>
-            </a:pPr>
-            <a:r>
-              <a:rPr lang="en-GB" sz="1600" dirty="0"/>
-              <a:t>                 </a:t>
-            </a:r>
-            <a:r>
-              <a:rPr lang="en-GB" sz="1600" dirty="0"/>
-              <a:t>Customer</a:t>
-            </a:r>
-            <a:r>
-              <a:rPr lang="en-GB" sz="1600" dirty="0"/>
-              <a:t> { </a:t>
-            </a:r>
-            <a:r>
-              <a:rPr lang="en-GB" sz="1600" dirty="0" err="1"/>
-              <a:t>companyName</a:t>
-            </a:r>
-            <a:r>
-              <a:rPr lang="en-GB" sz="1600" dirty="0"/>
-              <a:t> :: String</a:t>
-            </a:r>
-          </a:p>
-          <a:p>
-            <a:pPr marL="0" indent="0">
-              <a:buNone/>
-            </a:pPr>
-            <a:r>
-              <a:rPr lang="en-GB" sz="1600" dirty="0"/>
-              <a:t>                                    </a:t>
-            </a:r>
-            <a:r>
-              <a:rPr lang="en-GB" sz="1600" dirty="0"/>
-              <a:t>; </a:t>
-            </a:r>
-            <a:r>
-              <a:rPr lang="en-GB" sz="1600" dirty="0" err="1"/>
-              <a:t>contactName</a:t>
-            </a:r>
-            <a:r>
-              <a:rPr lang="en-GB" sz="1600" dirty="0"/>
-              <a:t> :: String</a:t>
-            </a:r>
-          </a:p>
-          <a:p>
-            <a:pPr marL="0" indent="0">
-              <a:buNone/>
-            </a:pPr>
-            <a:r>
-              <a:rPr lang="en-GB" sz="1600" dirty="0"/>
-              <a:t>                                    </a:t>
-            </a:r>
-            <a:r>
-              <a:rPr lang="en-GB" sz="1600" dirty="0"/>
-              <a:t>; </a:t>
-            </a:r>
-            <a:r>
-              <a:rPr lang="en-GB" sz="1600" dirty="0" err="1"/>
-              <a:t>contactTitle</a:t>
-            </a:r>
-            <a:r>
-              <a:rPr lang="en-GB" sz="1600" dirty="0"/>
-              <a:t> :: String</a:t>
-            </a:r>
-          </a:p>
-          <a:p>
-            <a:pPr marL="0" indent="0">
-              <a:buNone/>
-            </a:pPr>
-            <a:r>
-              <a:rPr lang="en-GB" sz="1600" dirty="0"/>
-              <a:t>                                    ; phone :: String</a:t>
-            </a:r>
-          </a:p>
-          <a:p>
-            <a:pPr marL="0" indent="0">
-              <a:buNone/>
-            </a:pPr>
-            <a:r>
-              <a:rPr lang="en-GB" sz="1600" dirty="0"/>
-              <a:t>                                    ; fax :: </a:t>
-            </a:r>
-            <a:r>
-              <a:rPr lang="en-GB" sz="1600" dirty="0" err="1"/>
-              <a:t>Conditional_string</a:t>
-            </a:r>
-            <a:endParaRPr lang="en-GB" sz="1600" dirty="0"/>
-          </a:p>
-          <a:p>
-            <a:pPr marL="0" indent="0">
-              <a:buNone/>
-            </a:pPr>
-            <a:r>
-              <a:rPr lang="en-GB" sz="1600" dirty="0"/>
-              <a:t>                                    ; </a:t>
-            </a:r>
-            <a:r>
-              <a:rPr lang="en-GB" sz="1600" dirty="0" err="1"/>
-              <a:t>fullAddress</a:t>
-            </a:r>
-            <a:r>
-              <a:rPr lang="en-GB" sz="1600" dirty="0"/>
-              <a:t> :: </a:t>
-            </a:r>
-            <a:r>
-              <a:rPr lang="en-GB" sz="1600" dirty="0" err="1"/>
-              <a:t>AddressType</a:t>
-            </a:r>
-            <a:endParaRPr lang="en-GB" sz="1600" dirty="0"/>
-          </a:p>
-          <a:p>
-            <a:pPr marL="0" indent="0">
-              <a:buNone/>
-            </a:pPr>
-            <a:r>
-              <a:rPr lang="en-GB" sz="1600" dirty="0"/>
-              <a:t>                                    ; </a:t>
-            </a:r>
-            <a:r>
-              <a:rPr lang="en-GB" sz="1600" dirty="0" err="1"/>
-              <a:t>customerID</a:t>
-            </a:r>
-            <a:r>
-              <a:rPr lang="en-GB" sz="1600" dirty="0"/>
-              <a:t> :: </a:t>
-            </a:r>
-            <a:r>
-              <a:rPr lang="en-GB" sz="1600" dirty="0" err="1"/>
-              <a:t>Int</a:t>
-            </a:r>
-            <a:r>
-              <a:rPr lang="en-GB" sz="1600" dirty="0"/>
-              <a:t> }</a:t>
-            </a:r>
-          </a:p>
-          <a:p>
-            <a:pPr marL="0" indent="0">
-              <a:buNone/>
-            </a:pPr>
-            <a:r>
-              <a:rPr lang="en-GB" sz="1600" dirty="0"/>
-              <a:t>ENDDEF</a:t>
-            </a:r>
-          </a:p>
-          <a:p>
-            <a:pPr marL="0" indent="0">
-              <a:buNone/>
-            </a:pPr>
-            <a:endParaRPr lang="en-GB" sz="1600" dirty="0"/>
-          </a:p>
-          <a:p>
-            <a:pPr marL="0" indent="0">
-              <a:buNone/>
-            </a:pPr>
-            <a:r>
-              <a:rPr lang="en-GB" sz="1600" dirty="0"/>
-              <a:t>TYPEDEF </a:t>
-            </a:r>
-            <a:r>
-              <a:rPr lang="en-GB" sz="1600" dirty="0"/>
-              <a:t>Address</a:t>
-            </a:r>
-            <a:r>
-              <a:rPr lang="en-GB" sz="1600" dirty="0"/>
-              <a:t> ::= </a:t>
-            </a:r>
-          </a:p>
-          <a:p>
-            <a:pPr marL="0" indent="0">
-              <a:buNone/>
-            </a:pPr>
-            <a:r>
-              <a:rPr lang="en-GB" sz="1600"/>
-              <a:t>                 </a:t>
-            </a:r>
-            <a:r>
-              <a:rPr lang="en-GB" sz="1600"/>
-              <a:t>Address</a:t>
-            </a:r>
-            <a:r>
-              <a:rPr lang="en-GB" sz="1600"/>
-              <a:t> </a:t>
-            </a:r>
-            <a:r>
-              <a:rPr lang="en-GB" sz="1600" dirty="0"/>
-              <a:t>{ address :: String</a:t>
-            </a:r>
-          </a:p>
-          <a:p>
-            <a:pPr marL="0" indent="0">
-              <a:buNone/>
-            </a:pPr>
-            <a:r>
-              <a:rPr lang="en-GB" sz="1600" dirty="0"/>
-              <a:t>                                 ; city :: String</a:t>
-            </a:r>
-          </a:p>
-          <a:p>
-            <a:pPr marL="0" indent="0">
-              <a:buNone/>
-            </a:pPr>
-            <a:r>
-              <a:rPr lang="en-GB" sz="1600" dirty="0"/>
-              <a:t>                                 ; region :: String</a:t>
-            </a:r>
-          </a:p>
-          <a:p>
-            <a:pPr marL="0" indent="0">
-              <a:buNone/>
-            </a:pPr>
-            <a:r>
-              <a:rPr lang="en-GB" sz="1600" dirty="0"/>
-              <a:t>                                 ; </a:t>
-            </a:r>
-            <a:r>
-              <a:rPr lang="en-GB" sz="1600" dirty="0" err="1"/>
-              <a:t>postalCode</a:t>
-            </a:r>
-            <a:r>
-              <a:rPr lang="en-GB" sz="1600" dirty="0"/>
-              <a:t> :: String</a:t>
-            </a:r>
-          </a:p>
-          <a:p>
-            <a:pPr marL="0" indent="0">
-              <a:buNone/>
-            </a:pPr>
-            <a:r>
-              <a:rPr lang="en-GB" sz="1600" dirty="0"/>
-              <a:t>                                 ; country :: String }</a:t>
-            </a:r>
-          </a:p>
-          <a:p>
-            <a:pPr marL="0" indent="0">
-              <a:buNone/>
-            </a:pPr>
-            <a:r>
-              <a:rPr lang="en-GB" sz="1600" dirty="0"/>
-              <a:t>ENDDEF</a:t>
-            </a:r>
+              <a:rPr lang="en-US" dirty="0"/>
+              <a:t>Whenever inputs are received, an updated report will be send shortly there after</a:t>
+            </a:r>
+          </a:p>
+          <a:p>
+            <a:r>
+              <a:rPr lang="en-US" dirty="0" smtClean="0"/>
+              <a:t>A </a:t>
+            </a:r>
+            <a:r>
+              <a:rPr lang="en-US" dirty="0"/>
+              <a:t>report contains all received customers and </a:t>
+            </a:r>
+            <a:r>
+              <a:rPr lang="en-US" dirty="0" smtClean="0"/>
+              <a:t>orders</a:t>
+            </a:r>
+            <a:endParaRPr lang="en-US" dirty="0"/>
           </a:p>
         </p:txBody>
       </p:sp>
     </p:spTree>
     <p:extLst>
       <p:ext uri="{BB962C8B-B14F-4D97-AF65-F5344CB8AC3E}">
-        <p14:creationId xmlns:p14="http://schemas.microsoft.com/office/powerpoint/2010/main" val="4023909740"/>
+        <p14:creationId xmlns:p14="http://schemas.microsoft.com/office/powerpoint/2010/main" val="376270274"/>
       </p:ext>
     </p:extLst>
   </p:cSld>
@@ -5078,7 +6034,7 @@
 </file>
 
 <file path=ppt/slides/slide6.xml><?xml version="1.0" encoding="utf-8"?>
-<p:sld xmlns:a="http://schemas.openxmlformats.org/drawingml/2006/main" xmlns:r="http://schemas.openxmlformats.org/officeDocument/2006/relationships" xmlns:p="http://schemas.openxmlformats.org/presentationml/2006/main" show="0">
+<p:sld xmlns:a="http://schemas.openxmlformats.org/drawingml/2006/main" xmlns:r="http://schemas.openxmlformats.org/officeDocument/2006/relationships" xmlns:p="http://schemas.openxmlformats.org/presentationml/2006/main">
   <p:cSld>
     <p:spTree>
       <p:nvGrpSpPr>
@@ -5139,7 +6095,7 @@
         <p:spPr/>
         <p:txBody>
           <a:bodyPr>
-            <a:normAutofit fontScale="47500" lnSpcReduction="20000"/>
+            <a:normAutofit fontScale="70000" lnSpcReduction="20000"/>
           </a:bodyPr>
           <a:lstStyle/>
           <a:p>
@@ -5147,45 +6103,137 @@
               <a:buNone/>
             </a:pPr>
             <a:r>
+              <a:rPr lang="en-US" dirty="0"/>
+              <a:t>TYPEDEF Report ::= </a:t>
+            </a:r>
+            <a:r>
+              <a:rPr lang="en-US" dirty="0" smtClean="0"/>
+              <a:t>Report </a:t>
+            </a:r>
+            <a:r>
+              <a:rPr lang="en-US" dirty="0"/>
+              <a:t>{ customers :: </a:t>
+            </a:r>
+            <a:r>
+              <a:rPr lang="en-US" dirty="0" err="1"/>
+              <a:t>List_Customer</a:t>
+            </a:r>
+            <a:r>
+              <a:rPr lang="en-US" dirty="0"/>
+              <a:t> </a:t>
+            </a:r>
+            <a:endParaRPr lang="en-US" dirty="0" smtClean="0"/>
+          </a:p>
+          <a:p>
+            <a:pPr marL="0" indent="0">
+              <a:buNone/>
+            </a:pPr>
+            <a:r>
+              <a:rPr lang="en-US" dirty="0"/>
+              <a:t> </a:t>
+            </a:r>
+            <a:r>
+              <a:rPr lang="en-US" dirty="0" smtClean="0"/>
+              <a:t>                                                ; </a:t>
+            </a:r>
+            <a:r>
+              <a:rPr lang="en-US" dirty="0"/>
+              <a:t>orders :: </a:t>
+            </a:r>
+            <a:r>
+              <a:rPr lang="en-US" dirty="0" err="1"/>
+              <a:t>List_Order</a:t>
+            </a:r>
+            <a:r>
+              <a:rPr lang="en-US" dirty="0"/>
+              <a:t> } </a:t>
+            </a:r>
+            <a:endParaRPr lang="en-US" dirty="0" smtClean="0"/>
+          </a:p>
+          <a:p>
+            <a:pPr marL="0" indent="0">
+              <a:buNone/>
+            </a:pPr>
+            <a:r>
+              <a:rPr lang="en-US" dirty="0" smtClean="0"/>
+              <a:t>ENDDEF</a:t>
+            </a:r>
+            <a:endParaRPr lang="en-US" dirty="0"/>
+          </a:p>
+          <a:p>
+            <a:pPr marL="0" indent="0">
+              <a:buNone/>
+            </a:pPr>
+            <a:endParaRPr lang="en-GB" dirty="0" smtClean="0"/>
+          </a:p>
+          <a:p>
+            <a:pPr marL="0" indent="0">
+              <a:buNone/>
+            </a:pPr>
+            <a:r>
               <a:rPr lang="en-GB" dirty="0"/>
               <a:t>TYPEDEF </a:t>
             </a:r>
             <a:r>
               <a:rPr lang="en-GB" dirty="0" err="1"/>
-              <a:t>OrderType</a:t>
+              <a:t>List_Customer</a:t>
             </a:r>
             <a:r>
               <a:rPr lang="en-GB" dirty="0"/>
               <a:t> ::= </a:t>
             </a:r>
-          </a:p>
-          <a:p>
-            <a:pPr marL="0" indent="0">
-              <a:buNone/>
-            </a:pPr>
+            <a:endParaRPr lang="en-GB" dirty="0" smtClean="0"/>
+          </a:p>
+          <a:p>
+            <a:pPr marL="0" indent="0">
+              <a:buNone/>
+            </a:pPr>
+            <a:r>
+              <a:rPr lang="en-GB" dirty="0" smtClean="0"/>
+              <a:t>   </a:t>
+            </a:r>
+            <a:r>
+              <a:rPr lang="en-GB" dirty="0" err="1" smtClean="0"/>
+              <a:t>Nil_Customer</a:t>
+            </a:r>
+            <a:r>
+              <a:rPr lang="en-GB" dirty="0" smtClean="0"/>
+              <a:t> </a:t>
+            </a:r>
+          </a:p>
+          <a:p>
+            <a:pPr marL="0" indent="0">
+              <a:buNone/>
+            </a:pPr>
+            <a:r>
+              <a:rPr lang="en-GB" dirty="0" smtClean="0"/>
+              <a:t>| </a:t>
+            </a:r>
+            <a:r>
+              <a:rPr lang="en-GB" dirty="0" err="1"/>
+              <a:t>Cstr_Customer</a:t>
+            </a:r>
             <a:r>
               <a:rPr lang="en-GB" dirty="0"/>
-              <a:t>    </a:t>
+              <a:t> { head :: Customer; tail :: </a:t>
             </a:r>
             <a:r>
               <a:rPr lang="en-GB" dirty="0" err="1"/>
-              <a:t>C_OrderType</a:t>
+              <a:t>List_Customer</a:t>
             </a:r>
             <a:r>
               <a:rPr lang="en-GB" dirty="0"/>
-              <a:t> { </a:t>
-            </a:r>
-            <a:r>
-              <a:rPr lang="en-GB" dirty="0" err="1"/>
-              <a:t>customerID</a:t>
-            </a:r>
-            <a:r>
-              <a:rPr lang="en-GB" dirty="0"/>
-              <a:t> :: </a:t>
-            </a:r>
-            <a:r>
-              <a:rPr lang="en-GB" dirty="0" err="1"/>
-              <a:t>Int</a:t>
+              <a:t> } </a:t>
+            </a:r>
+            <a:endParaRPr lang="en-GB" dirty="0" smtClean="0"/>
+          </a:p>
+          <a:p>
+            <a:pPr marL="0" indent="0">
+              <a:buNone/>
+            </a:pPr>
+            <a:r>
+              <a:rPr lang="en-GB" dirty="0" smtClean="0"/>
+              <a:t>ENDDEF</a:t>
             </a:r>
             <a:endParaRPr lang="en-GB" dirty="0"/>
           </a:p>
@@ -5193,22 +6241,6 @@
             <a:pPr marL="0" indent="0">
               <a:buNone/>
             </a:pPr>
-            <a:r>
-              <a:rPr lang="en-GB" dirty="0"/>
-              <a:t>                ; </a:t>
-            </a:r>
-            <a:r>
-              <a:rPr lang="en-GB" dirty="0" err="1"/>
-              <a:t>employeeID</a:t>
-            </a:r>
-            <a:r>
-              <a:rPr lang="en-GB" dirty="0"/>
-              <a:t> :: </a:t>
-            </a:r>
-            <a:r>
-              <a:rPr lang="en-GB" dirty="0" err="1"/>
-              <a:t>Int</a:t>
-            </a:r>
             <a:endParaRPr lang="en-GB" dirty="0"/>
           </a:p>
           <a:p>
@@ -5216,288 +6248,78 @@
               <a:buNone/>
             </a:pPr>
             <a:r>
-              <a:rPr lang="en-GB" dirty="0"/>
-              <a:t>                ; </a:t>
-            </a:r>
-            <a:r>
-              <a:rPr lang="en-GB" dirty="0" err="1"/>
-              <a:t>orderDate</a:t>
-            </a:r>
-            <a:r>
-              <a:rPr lang="en-GB" dirty="0"/>
-              <a:t> :: </a:t>
-            </a:r>
-            <a:r>
-              <a:rPr lang="en-GB" dirty="0" err="1"/>
-              <a:t>Int</a:t>
-            </a:r>
-            <a:endParaRPr lang="en-GB" dirty="0"/>
-          </a:p>
-          <a:p>
-            <a:pPr marL="0" indent="0">
-              <a:buNone/>
-            </a:pPr>
-            <a:r>
-              <a:rPr lang="en-GB" dirty="0"/>
-              <a:t>                ; </a:t>
-            </a:r>
-            <a:r>
-              <a:rPr lang="en-GB" dirty="0" err="1"/>
-              <a:t>requiredDate</a:t>
-            </a:r>
-            <a:r>
-              <a:rPr lang="en-GB" dirty="0"/>
-              <a:t> :: </a:t>
-            </a:r>
-            <a:r>
-              <a:rPr lang="en-GB" dirty="0" err="1"/>
-              <a:t>Int</a:t>
-            </a:r>
-            <a:endParaRPr lang="en-GB" dirty="0"/>
-          </a:p>
-          <a:p>
-            <a:pPr marL="0" indent="0">
-              <a:buNone/>
-            </a:pPr>
-            <a:r>
-              <a:rPr lang="en-GB" dirty="0"/>
-              <a:t>                ; </a:t>
-            </a:r>
-            <a:r>
-              <a:rPr lang="en-GB" dirty="0" err="1"/>
-              <a:t>shipInfo</a:t>
-            </a:r>
-            <a:r>
-              <a:rPr lang="en-GB" dirty="0"/>
-              <a:t> :: </a:t>
-            </a:r>
-            <a:r>
-              <a:rPr lang="en-GB" dirty="0" err="1"/>
-              <a:t>ShipInfoType</a:t>
-            </a:r>
-            <a:r>
-              <a:rPr lang="en-GB" dirty="0"/>
-              <a:t> }</a:t>
-            </a:r>
-          </a:p>
-          <a:p>
-            <a:pPr marL="0" indent="0">
-              <a:buNone/>
-            </a:pPr>
-            <a:r>
-              <a:rPr lang="en-GB" dirty="0"/>
+              <a:rPr lang="en-US" dirty="0"/>
+              <a:t>TYPEDEF </a:t>
+            </a:r>
+            <a:r>
+              <a:rPr lang="en-US" dirty="0" err="1"/>
+              <a:t>List_Order</a:t>
+            </a:r>
+            <a:r>
+              <a:rPr lang="en-US" dirty="0"/>
+              <a:t> ::= </a:t>
+            </a:r>
+            <a:endParaRPr lang="en-US" dirty="0" smtClean="0"/>
+          </a:p>
+          <a:p>
+            <a:pPr marL="0" indent="0">
+              <a:buNone/>
+            </a:pPr>
+            <a:r>
+              <a:rPr lang="en-US" dirty="0" smtClean="0"/>
+              <a:t>   </a:t>
+            </a:r>
+            <a:r>
+              <a:rPr lang="en-US" dirty="0" err="1" smtClean="0"/>
+              <a:t>Nil_Order</a:t>
+            </a:r>
+            <a:r>
+              <a:rPr lang="en-US" dirty="0" smtClean="0"/>
+              <a:t> </a:t>
+            </a:r>
+          </a:p>
+          <a:p>
+            <a:pPr marL="0" indent="0">
+              <a:buNone/>
+            </a:pPr>
+            <a:r>
+              <a:rPr lang="en-US" dirty="0" smtClean="0"/>
+              <a:t>| </a:t>
+            </a:r>
+            <a:r>
+              <a:rPr lang="en-US" dirty="0" err="1"/>
+              <a:t>Cstr_Order</a:t>
+            </a:r>
+            <a:r>
+              <a:rPr lang="en-US" dirty="0"/>
+              <a:t> { head :: Order; tail :: </a:t>
+            </a:r>
+            <a:r>
+              <a:rPr lang="en-US" dirty="0" err="1"/>
+              <a:t>List_Order</a:t>
+            </a:r>
+            <a:r>
+              <a:rPr lang="en-US" dirty="0"/>
+              <a:t> } </a:t>
+            </a:r>
+            <a:endParaRPr lang="en-US" dirty="0" smtClean="0"/>
+          </a:p>
+          <a:p>
+            <a:pPr marL="0" indent="0">
+              <a:buNone/>
+            </a:pPr>
+            <a:r>
+              <a:rPr lang="en-US" dirty="0" smtClean="0"/>
               <a:t>ENDDEF</a:t>
             </a:r>
-          </a:p>
-          <a:p>
-            <a:pPr marL="0" indent="0">
-              <a:buNone/>
-            </a:pPr>
-            <a:endParaRPr lang="en-GB" dirty="0"/>
-          </a:p>
-          <a:p>
-            <a:pPr marL="0" indent="0">
-              <a:buNone/>
-            </a:pPr>
-            <a:r>
-              <a:rPr lang="en-GB" dirty="0"/>
-              <a:t>TYPEDEF </a:t>
-            </a:r>
-            <a:r>
-              <a:rPr lang="en-GB" dirty="0" err="1"/>
-              <a:t>ShipInfoType</a:t>
-            </a:r>
-            <a:r>
-              <a:rPr lang="en-GB" dirty="0"/>
-              <a:t> ::= </a:t>
-            </a:r>
-          </a:p>
-          <a:p>
-            <a:pPr marL="0" indent="0">
-              <a:buNone/>
-            </a:pPr>
-            <a:r>
-              <a:rPr lang="en-GB" dirty="0"/>
-              <a:t>    </a:t>
-            </a:r>
-            <a:r>
-              <a:rPr lang="en-GB" dirty="0" err="1"/>
-              <a:t>C_ShipInfoType</a:t>
-            </a:r>
-            <a:r>
-              <a:rPr lang="en-GB" dirty="0"/>
-              <a:t> { </a:t>
-            </a:r>
-            <a:r>
-              <a:rPr lang="en-GB" dirty="0" err="1"/>
-              <a:t>shipVia</a:t>
-            </a:r>
-            <a:r>
-              <a:rPr lang="en-GB" dirty="0"/>
-              <a:t> :: </a:t>
-            </a:r>
-            <a:r>
-              <a:rPr lang="en-GB" dirty="0" err="1"/>
-              <a:t>Int</a:t>
-            </a:r>
-            <a:endParaRPr lang="en-GB" dirty="0"/>
-          </a:p>
-          <a:p>
-            <a:pPr marL="0" indent="0">
-              <a:buNone/>
-            </a:pPr>
-            <a:r>
-              <a:rPr lang="en-GB" dirty="0"/>
-              <a:t>                   ; freight :: </a:t>
-            </a:r>
-            <a:r>
-              <a:rPr lang="en-GB" dirty="0" err="1"/>
-              <a:t>Int</a:t>
-            </a:r>
-            <a:endParaRPr lang="en-GB" dirty="0"/>
-          </a:p>
-          <a:p>
-            <a:pPr marL="0" indent="0">
-              <a:buNone/>
-            </a:pPr>
-            <a:r>
-              <a:rPr lang="en-GB" dirty="0"/>
-              <a:t>                   ; </a:t>
-            </a:r>
-            <a:r>
-              <a:rPr lang="en-GB" dirty="0" err="1"/>
-              <a:t>shipName</a:t>
-            </a:r>
-            <a:r>
-              <a:rPr lang="en-GB" dirty="0"/>
-              <a:t> :: String</a:t>
-            </a:r>
-          </a:p>
-          <a:p>
-            <a:pPr marL="0" indent="0">
-              <a:buNone/>
-            </a:pPr>
-            <a:r>
-              <a:rPr lang="en-GB" dirty="0"/>
-              <a:t>                   ; </a:t>
-            </a:r>
-            <a:r>
-              <a:rPr lang="en-GB" dirty="0" err="1"/>
-              <a:t>shipAddress</a:t>
-            </a:r>
-            <a:r>
-              <a:rPr lang="en-GB" dirty="0"/>
-              <a:t> :: String</a:t>
-            </a:r>
-          </a:p>
-          <a:p>
-            <a:pPr marL="0" indent="0">
-              <a:buNone/>
-            </a:pPr>
-            <a:r>
-              <a:rPr lang="en-GB" dirty="0"/>
-              <a:t>                   ; </a:t>
-            </a:r>
-            <a:r>
-              <a:rPr lang="en-GB" dirty="0" err="1"/>
-              <a:t>shipCity</a:t>
-            </a:r>
-            <a:r>
-              <a:rPr lang="en-GB" dirty="0"/>
-              <a:t> :: String</a:t>
-            </a:r>
-          </a:p>
-          <a:p>
-            <a:pPr marL="0" indent="0">
-              <a:buNone/>
-            </a:pPr>
-            <a:r>
-              <a:rPr lang="en-GB" dirty="0"/>
-              <a:t>                   ; </a:t>
-            </a:r>
-            <a:r>
-              <a:rPr lang="en-GB" dirty="0" err="1"/>
-              <a:t>shipRegion</a:t>
-            </a:r>
-            <a:r>
-              <a:rPr lang="en-GB" dirty="0"/>
-              <a:t> :: String</a:t>
-            </a:r>
-          </a:p>
-          <a:p>
-            <a:pPr marL="0" indent="0">
-              <a:buNone/>
-            </a:pPr>
-            <a:r>
-              <a:rPr lang="en-GB" dirty="0"/>
-              <a:t>                   ; </a:t>
-            </a:r>
-            <a:r>
-              <a:rPr lang="en-GB" dirty="0" err="1"/>
-              <a:t>shipPostalCode</a:t>
-            </a:r>
-            <a:r>
-              <a:rPr lang="en-GB" dirty="0"/>
-              <a:t> :: String</a:t>
-            </a:r>
-          </a:p>
-          <a:p>
-            <a:pPr marL="0" indent="0">
-              <a:buNone/>
-            </a:pPr>
-            <a:r>
-              <a:rPr lang="en-GB" dirty="0"/>
-              <a:t>                   ; </a:t>
-            </a:r>
-            <a:r>
-              <a:rPr lang="en-GB" dirty="0" err="1"/>
-              <a:t>shipCountry</a:t>
-            </a:r>
-            <a:r>
-              <a:rPr lang="en-GB" dirty="0"/>
-              <a:t> :: String</a:t>
-            </a:r>
-          </a:p>
-          <a:p>
-            <a:pPr marL="0" indent="0">
-              <a:buNone/>
-            </a:pPr>
-            <a:r>
-              <a:rPr lang="en-GB" dirty="0"/>
-              <a:t>                   ; </a:t>
-            </a:r>
-            <a:r>
-              <a:rPr lang="en-GB" dirty="0" err="1"/>
-              <a:t>shippedDate</a:t>
-            </a:r>
-            <a:r>
-              <a:rPr lang="en-GB" dirty="0"/>
-              <a:t> :: </a:t>
-            </a:r>
-            <a:r>
-              <a:rPr lang="en-GB" dirty="0" err="1"/>
-              <a:t>Conditional_dateTime</a:t>
-            </a:r>
-            <a:r>
-              <a:rPr lang="en-GB" dirty="0"/>
-              <a:t> }</a:t>
-            </a:r>
-          </a:p>
-          <a:p>
-            <a:pPr marL="0" indent="0">
-              <a:buNone/>
-            </a:pPr>
-            <a:r>
-              <a:rPr lang="en-GB" dirty="0"/>
-              <a:t>ENDDEF</a:t>
-            </a:r>
+            <a:endParaRPr lang="en-US" dirty="0"/>
           </a:p>
         </p:txBody>
       </p:sp>
     </p:spTree>
     <p:extLst>
       <p:ext uri="{BB962C8B-B14F-4D97-AF65-F5344CB8AC3E}">
-        <p14:creationId xmlns:p14="http://schemas.microsoft.com/office/powerpoint/2010/main" val="3328488841"/>
+        <p14:creationId xmlns:p14="http://schemas.microsoft.com/office/powerpoint/2010/main" val="2877112638"/>
       </p:ext>
     </p:extLst>
   </p:cSld>
@@ -5508,7 +6330,7 @@
 </file>
 
 <file path=ppt/slides/slide7.xml><?xml version="1.0" encoding="utf-8"?>
-<p:sld xmlns:a="http://schemas.openxmlformats.org/drawingml/2006/main" xmlns:r="http://schemas.openxmlformats.org/officeDocument/2006/relationships" xmlns:p="http://schemas.openxmlformats.org/presentationml/2006/main" show="0">
+<p:sld xmlns:a="http://schemas.openxmlformats.org/drawingml/2006/main" xmlns:r="http://schemas.openxmlformats.org/officeDocument/2006/relationships" xmlns:p="http://schemas.openxmlformats.org/presentationml/2006/main">
   <p:cSld>
     <p:spTree>
       <p:nvGrpSpPr>
@@ -5551,7 +6373,7 @@
             </a:r>
             <a:r>
               <a:rPr lang="en-GB" dirty="0"/>
-              <a:t> functions</a:t>
+              <a:t> data types</a:t>
             </a:r>
           </a:p>
         </p:txBody>
@@ -5569,7 +6391,7 @@
         <p:spPr/>
         <p:txBody>
           <a:bodyPr>
-            <a:normAutofit fontScale="62500" lnSpcReduction="20000"/>
+            <a:noAutofit/>
           </a:bodyPr>
           <a:lstStyle/>
           <a:p>
@@ -5577,224 +6399,266 @@
               <a:buNone/>
             </a:pPr>
             <a:r>
-              <a:rPr lang="en-GB" dirty="0"/>
-              <a:t>FUNCDEF </a:t>
-            </a:r>
-            <a:r>
-              <a:rPr lang="en-GB" dirty="0" err="1"/>
-              <a:t>isValid_RootType</a:t>
-            </a:r>
-            <a:r>
-              <a:rPr lang="en-GB" dirty="0"/>
-              <a:t> ( t :: </a:t>
-            </a:r>
-            <a:r>
-              <a:rPr lang="en-GB" dirty="0" err="1"/>
-              <a:t>RootType</a:t>
-            </a:r>
-            <a:r>
-              <a:rPr lang="en-GB" dirty="0"/>
-              <a:t> ) :: Bool ::= </a:t>
-            </a:r>
-          </a:p>
-          <a:p>
-            <a:pPr marL="0" indent="0">
-              <a:buNone/>
-            </a:pPr>
-            <a:r>
-              <a:rPr lang="en-GB" dirty="0"/>
-              <a:t>       </a:t>
-            </a:r>
-            <a:r>
-              <a:rPr lang="en-GB" dirty="0" err="1"/>
-              <a:t>isValid_List_CustomerType</a:t>
-            </a:r>
-            <a:r>
-              <a:rPr lang="en-GB" dirty="0"/>
-              <a:t>(customers(t), 0, </a:t>
-            </a:r>
-            <a:r>
-              <a:rPr lang="en-GB" dirty="0" err="1"/>
-              <a:t>CAbsent_Int</a:t>
-            </a:r>
-            <a:r>
-              <a:rPr lang="en-GB" dirty="0"/>
-              <a:t>) </a:t>
-            </a:r>
-          </a:p>
-          <a:p>
-            <a:pPr marL="0" indent="0">
-              <a:buNone/>
-            </a:pPr>
-            <a:r>
-              <a:rPr lang="en-GB" dirty="0"/>
-              <a:t>    /\ </a:t>
-            </a:r>
-            <a:r>
-              <a:rPr lang="en-GB" dirty="0" err="1"/>
-              <a:t>isValid_List_OrderType</a:t>
-            </a:r>
-            <a:r>
-              <a:rPr lang="en-GB" dirty="0"/>
-              <a:t>(orders(t), 0, </a:t>
-            </a:r>
-            <a:r>
-              <a:rPr lang="en-GB" dirty="0" err="1"/>
-              <a:t>CAbsent_Int</a:t>
-            </a:r>
-            <a:r>
-              <a:rPr lang="en-GB" dirty="0"/>
-              <a:t>)</a:t>
-            </a:r>
-          </a:p>
-          <a:p>
-            <a:pPr marL="0" indent="0">
-              <a:buNone/>
-            </a:pPr>
-            <a:r>
-              <a:rPr lang="en-GB" dirty="0"/>
-              <a:t>    /\ </a:t>
-            </a:r>
-            <a:r>
-              <a:rPr lang="en-GB" dirty="0" err="1"/>
-              <a:t>uniqueCustomerIDs</a:t>
-            </a:r>
-            <a:r>
-              <a:rPr lang="en-GB" dirty="0"/>
-              <a:t>(customers(t))</a:t>
-            </a:r>
-          </a:p>
-          <a:p>
-            <a:pPr marL="0" indent="0">
-              <a:buNone/>
-            </a:pPr>
-            <a:r>
-              <a:rPr lang="en-GB" dirty="0"/>
-              <a:t>    /\ </a:t>
-            </a:r>
-            <a:r>
-              <a:rPr lang="en-GB" dirty="0" err="1"/>
-              <a:t>validCustomerIDsInOrders</a:t>
-            </a:r>
-            <a:r>
-              <a:rPr lang="en-GB" dirty="0"/>
-              <a:t>(orders(t),customers(t)) </a:t>
-            </a:r>
-          </a:p>
-          <a:p>
-            <a:pPr marL="0" indent="0">
-              <a:buNone/>
-            </a:pPr>
-            <a:r>
-              <a:rPr lang="en-GB" dirty="0"/>
+              <a:rPr lang="en-GB" sz="1600" dirty="0"/>
+              <a:t>TYPEDEF Customer ::= </a:t>
+            </a:r>
+            <a:r>
+              <a:rPr lang="en-GB" sz="1600" dirty="0" smtClean="0"/>
+              <a:t>Customer </a:t>
+            </a:r>
+            <a:r>
+              <a:rPr lang="en-GB" sz="1600" dirty="0"/>
+              <a:t>{ </a:t>
+            </a:r>
+            <a:r>
+              <a:rPr lang="en-GB" sz="1600" dirty="0" err="1"/>
+              <a:t>companyName</a:t>
+            </a:r>
+            <a:r>
+              <a:rPr lang="en-GB" sz="1600" dirty="0"/>
+              <a:t> :: String</a:t>
+            </a:r>
+          </a:p>
+          <a:p>
+            <a:pPr marL="0" indent="0">
+              <a:buNone/>
+            </a:pPr>
+            <a:r>
+              <a:rPr lang="en-GB" sz="1600" dirty="0"/>
+              <a:t>                                    </a:t>
+            </a:r>
+            <a:r>
+              <a:rPr lang="en-GB" sz="1600" dirty="0" smtClean="0"/>
+              <a:t>                       ; </a:t>
+            </a:r>
+            <a:r>
+              <a:rPr lang="en-GB" sz="1600" dirty="0" err="1"/>
+              <a:t>contactName</a:t>
+            </a:r>
+            <a:r>
+              <a:rPr lang="en-GB" sz="1600" dirty="0"/>
+              <a:t> :: String</a:t>
+            </a:r>
+          </a:p>
+          <a:p>
+            <a:pPr marL="0" indent="0">
+              <a:buNone/>
+            </a:pPr>
+            <a:r>
+              <a:rPr lang="en-GB" sz="1600" dirty="0" smtClean="0"/>
+              <a:t>                                                           </a:t>
+            </a:r>
+            <a:r>
+              <a:rPr lang="en-GB" sz="1600" dirty="0"/>
+              <a:t>; </a:t>
+            </a:r>
+            <a:r>
+              <a:rPr lang="en-GB" sz="1600" dirty="0" err="1"/>
+              <a:t>contactTitle</a:t>
+            </a:r>
+            <a:r>
+              <a:rPr lang="en-GB" sz="1600" dirty="0"/>
+              <a:t> :: String</a:t>
+            </a:r>
+          </a:p>
+          <a:p>
+            <a:pPr marL="0" indent="0">
+              <a:buNone/>
+            </a:pPr>
+            <a:r>
+              <a:rPr lang="en-GB" sz="1600" dirty="0"/>
+              <a:t>                       </a:t>
+            </a:r>
+            <a:r>
+              <a:rPr lang="en-GB" sz="1600" dirty="0" smtClean="0"/>
+              <a:t>                                    </a:t>
+            </a:r>
+            <a:r>
+              <a:rPr lang="en-GB" sz="1600" dirty="0"/>
+              <a:t>; phone :: String</a:t>
+            </a:r>
+          </a:p>
+          <a:p>
+            <a:pPr marL="0" indent="0">
+              <a:buNone/>
+            </a:pPr>
+            <a:r>
+              <a:rPr lang="en-GB" sz="1600" dirty="0" smtClean="0"/>
+              <a:t>                                                           </a:t>
+            </a:r>
+            <a:r>
+              <a:rPr lang="en-GB" sz="1600" dirty="0"/>
+              <a:t>; fax :: </a:t>
+            </a:r>
+            <a:r>
+              <a:rPr lang="en-GB" sz="1600" dirty="0" err="1"/>
+              <a:t>Conditional_string</a:t>
+            </a:r>
+            <a:endParaRPr lang="en-GB" sz="1600" dirty="0"/>
+          </a:p>
+          <a:p>
+            <a:pPr marL="0" indent="0">
+              <a:buNone/>
+            </a:pPr>
+            <a:r>
+              <a:rPr lang="en-GB" sz="1600" dirty="0"/>
+              <a:t>                       </a:t>
+            </a:r>
+            <a:r>
+              <a:rPr lang="en-GB" sz="1600" dirty="0" smtClean="0"/>
+              <a:t>                                    </a:t>
+            </a:r>
+            <a:r>
+              <a:rPr lang="en-GB" sz="1600" dirty="0"/>
+              <a:t>; </a:t>
+            </a:r>
+            <a:r>
+              <a:rPr lang="en-GB" sz="1600" dirty="0" err="1"/>
+              <a:t>fullAddress</a:t>
+            </a:r>
+            <a:r>
+              <a:rPr lang="en-GB" sz="1600" dirty="0"/>
+              <a:t> :: </a:t>
+            </a:r>
+            <a:r>
+              <a:rPr lang="en-GB" sz="1600" dirty="0" smtClean="0"/>
+              <a:t>Address</a:t>
+            </a:r>
+          </a:p>
+          <a:p>
+            <a:pPr marL="0" indent="0">
+              <a:buNone/>
+            </a:pPr>
+            <a:r>
+              <a:rPr lang="en-GB" sz="1600" dirty="0" smtClean="0"/>
+              <a:t>                                                           </a:t>
+            </a:r>
+            <a:r>
+              <a:rPr lang="en-GB" sz="1600" dirty="0"/>
+              <a:t>; </a:t>
+            </a:r>
+            <a:r>
+              <a:rPr lang="en-GB" sz="1600" dirty="0" err="1"/>
+              <a:t>customerID</a:t>
+            </a:r>
+            <a:r>
+              <a:rPr lang="en-GB" sz="1600" dirty="0"/>
+              <a:t> :: </a:t>
+            </a:r>
+            <a:r>
+              <a:rPr lang="en-GB" sz="1600" dirty="0" err="1"/>
+              <a:t>Int</a:t>
+            </a:r>
+            <a:r>
+              <a:rPr lang="en-GB" sz="1600" dirty="0"/>
+              <a:t> }</a:t>
+            </a:r>
+          </a:p>
+          <a:p>
+            <a:pPr marL="0" indent="0">
+              <a:buNone/>
+            </a:pPr>
+            <a:r>
+              <a:rPr lang="en-GB" sz="1600" dirty="0" smtClean="0"/>
               <a:t>ENDDEF</a:t>
             </a:r>
-          </a:p>
-          <a:p>
-            <a:pPr marL="0" indent="0">
-              <a:buNone/>
-            </a:pPr>
-            <a:endParaRPr lang="en-GB" dirty="0"/>
-          </a:p>
-          <a:p>
-            <a:pPr marL="0" indent="0">
-              <a:buNone/>
-            </a:pPr>
-            <a:r>
-              <a:rPr lang="en-GB" dirty="0"/>
-              <a:t>FUNCDEF </a:t>
-            </a:r>
-            <a:r>
-              <a:rPr lang="en-GB" dirty="0" err="1"/>
-              <a:t>uniqueCustomerIDs</a:t>
-            </a:r>
-            <a:r>
-              <a:rPr lang="en-GB" dirty="0"/>
-              <a:t> ( x :: </a:t>
-            </a:r>
-            <a:r>
-              <a:rPr lang="en-GB" dirty="0" err="1"/>
-              <a:t>List_CustomerType</a:t>
-            </a:r>
-            <a:r>
-              <a:rPr lang="en-GB" dirty="0"/>
-              <a:t> ) :: Bool ::= </a:t>
-            </a:r>
-          </a:p>
-          <a:p>
-            <a:pPr marL="0" indent="0">
-              <a:buNone/>
-            </a:pPr>
-            <a:r>
-              <a:rPr lang="en-GB" dirty="0"/>
-              <a:t>    IF (</a:t>
-            </a:r>
-            <a:r>
-              <a:rPr lang="en-GB" dirty="0" err="1"/>
-              <a:t>isCNil_CustomerType</a:t>
-            </a:r>
-            <a:r>
-              <a:rPr lang="en-GB" dirty="0"/>
-              <a:t> (x)) </a:t>
-            </a:r>
-          </a:p>
-          <a:p>
-            <a:pPr marL="0" indent="0">
-              <a:buNone/>
-            </a:pPr>
-            <a:r>
-              <a:rPr lang="en-GB" dirty="0"/>
-              <a:t>        THEN True </a:t>
-            </a:r>
-          </a:p>
-          <a:p>
-            <a:pPr marL="0" indent="0">
-              <a:buNone/>
-            </a:pPr>
-            <a:r>
-              <a:rPr lang="en-GB" dirty="0"/>
-              <a:t>        ELSE not(</a:t>
-            </a:r>
-            <a:r>
-              <a:rPr lang="en-GB" dirty="0" err="1"/>
-              <a:t>containsCustomerID</a:t>
-            </a:r>
-            <a:r>
-              <a:rPr lang="en-GB" dirty="0"/>
-              <a:t>(</a:t>
-            </a:r>
-            <a:r>
-              <a:rPr lang="en-GB" dirty="0" err="1"/>
-              <a:t>customerID</a:t>
-            </a:r>
-            <a:r>
-              <a:rPr lang="en-GB" dirty="0"/>
-              <a:t>(head (x)), tail(x))) /\ </a:t>
-            </a:r>
-            <a:r>
-              <a:rPr lang="en-GB" dirty="0" err="1"/>
-              <a:t>uniqueCustomerIDs</a:t>
-            </a:r>
-            <a:r>
-              <a:rPr lang="en-GB" dirty="0"/>
-              <a:t>(tail(x)) </a:t>
-            </a:r>
-          </a:p>
-          <a:p>
-            <a:pPr marL="0" indent="0">
-              <a:buNone/>
-            </a:pPr>
-            <a:r>
-              <a:rPr lang="en-GB" dirty="0"/>
-              <a:t>    FI </a:t>
-            </a:r>
-          </a:p>
-          <a:p>
-            <a:pPr marL="0" indent="0">
-              <a:buNone/>
-            </a:pPr>
-            <a:r>
-              <a:rPr lang="en-GB" dirty="0"/>
+            <a:endParaRPr lang="en-GB" sz="1600" dirty="0"/>
+          </a:p>
+          <a:p>
+            <a:pPr marL="0" indent="0">
+              <a:buNone/>
+            </a:pPr>
+            <a:r>
+              <a:rPr lang="en-GB" sz="1600" dirty="0"/>
+              <a:t>TYPEDEF Address ::= </a:t>
+            </a:r>
+            <a:r>
+              <a:rPr lang="en-GB" sz="1600" dirty="0" smtClean="0"/>
+              <a:t>Address </a:t>
+            </a:r>
+            <a:r>
+              <a:rPr lang="en-GB" sz="1600" dirty="0"/>
+              <a:t>{ address :: String</a:t>
+            </a:r>
+          </a:p>
+          <a:p>
+            <a:pPr marL="0" indent="0">
+              <a:buNone/>
+            </a:pPr>
+            <a:r>
+              <a:rPr lang="en-GB" sz="1600" dirty="0" smtClean="0"/>
+              <a:t>                                                     </a:t>
+            </a:r>
+            <a:r>
+              <a:rPr lang="en-GB" sz="1600" dirty="0"/>
+              <a:t>; city :: String</a:t>
+            </a:r>
+          </a:p>
+          <a:p>
+            <a:pPr marL="0" indent="0">
+              <a:buNone/>
+            </a:pPr>
+            <a:r>
+              <a:rPr lang="en-GB" sz="1600" dirty="0"/>
+              <a:t>                    </a:t>
+            </a:r>
+            <a:r>
+              <a:rPr lang="en-GB" sz="1600" dirty="0" smtClean="0"/>
+              <a:t>                                 </a:t>
+            </a:r>
+            <a:r>
+              <a:rPr lang="en-GB" sz="1600" dirty="0"/>
+              <a:t>; region :: String</a:t>
+            </a:r>
+          </a:p>
+          <a:p>
+            <a:pPr marL="0" indent="0">
+              <a:buNone/>
+            </a:pPr>
+            <a:r>
+              <a:rPr lang="en-GB" sz="1600" dirty="0"/>
+              <a:t>                                </a:t>
+            </a:r>
+            <a:r>
+              <a:rPr lang="en-GB" sz="1600" dirty="0" smtClean="0"/>
+              <a:t>                     </a:t>
+            </a:r>
+            <a:r>
+              <a:rPr lang="en-GB" sz="1600" dirty="0"/>
+              <a:t>; </a:t>
+            </a:r>
+            <a:r>
+              <a:rPr lang="en-GB" sz="1600" dirty="0" err="1"/>
+              <a:t>postalCode</a:t>
+            </a:r>
+            <a:r>
+              <a:rPr lang="en-GB" sz="1600" dirty="0"/>
+              <a:t> :: String</a:t>
+            </a:r>
+          </a:p>
+          <a:p>
+            <a:pPr marL="0" indent="0">
+              <a:buNone/>
+            </a:pPr>
+            <a:r>
+              <a:rPr lang="en-GB" sz="1600" dirty="0"/>
+              <a:t>                                 </a:t>
+            </a:r>
+            <a:r>
+              <a:rPr lang="en-GB" sz="1600" dirty="0" smtClean="0"/>
+              <a:t>                    ; </a:t>
+            </a:r>
+            <a:r>
+              <a:rPr lang="en-GB" sz="1600" dirty="0"/>
+              <a:t>country :: String }</a:t>
+            </a:r>
+          </a:p>
+          <a:p>
+            <a:pPr marL="0" indent="0">
+              <a:buNone/>
+            </a:pPr>
+            <a:r>
+              <a:rPr lang="en-GB" sz="1600" dirty="0"/>
               <a:t>ENDDEF</a:t>
             </a:r>
           </a:p>
@@ -5803,7 +6667,7 @@
     </p:spTree>
     <p:extLst>
       <p:ext uri="{BB962C8B-B14F-4D97-AF65-F5344CB8AC3E}">
-        <p14:creationId xmlns:p14="http://schemas.microsoft.com/office/powerpoint/2010/main" val="4167402793"/>
+        <p14:creationId xmlns:p14="http://schemas.microsoft.com/office/powerpoint/2010/main" val="4023909740"/>
       </p:ext>
     </p:extLst>
   </p:cSld>
@@ -5857,7 +6721,7 @@
             </a:r>
             <a:r>
               <a:rPr lang="en-GB" dirty="0"/>
-              <a:t> functions</a:t>
+              <a:t> data types</a:t>
             </a:r>
           </a:p>
         </p:txBody>
@@ -5875,7 +6739,7 @@
         <p:spPr/>
         <p:txBody>
           <a:bodyPr>
-            <a:normAutofit fontScale="47500" lnSpcReduction="20000"/>
+            <a:noAutofit/>
           </a:bodyPr>
           <a:lstStyle/>
           <a:p>
@@ -5883,287 +6747,415 @@
               <a:buNone/>
             </a:pPr>
             <a:r>
-              <a:rPr lang="en-GB" dirty="0"/>
-              <a:t>FUNCDEF </a:t>
-            </a:r>
-            <a:r>
-              <a:rPr lang="en-GB" dirty="0" err="1"/>
-              <a:t>containsCustomerID</a:t>
-            </a:r>
-            <a:r>
-              <a:rPr lang="en-GB" dirty="0"/>
-              <a:t> ( </a:t>
-            </a:r>
-            <a:r>
-              <a:rPr lang="en-GB" dirty="0" err="1"/>
-              <a:t>cid</a:t>
-            </a:r>
-            <a:r>
-              <a:rPr lang="en-GB" dirty="0"/>
+              <a:rPr lang="en-US" sz="1600" dirty="0"/>
+              <a:t>TYPEDEF Order ::= Order { </a:t>
+            </a:r>
+            <a:r>
+              <a:rPr lang="en-US" sz="1600" dirty="0" err="1"/>
+              <a:t>customerID</a:t>
+            </a:r>
+            <a:r>
+              <a:rPr lang="en-US" sz="1600" dirty="0"/>
               <a:t> :: </a:t>
             </a:r>
             <a:r>
-              <a:rPr lang="en-GB" dirty="0" err="1"/>
+              <a:rPr lang="en-US" sz="1600" dirty="0" err="1" smtClean="0"/>
               <a:t>Int</a:t>
             </a:r>
-            <a:r>
-              <a:rPr lang="en-GB" dirty="0"/>
-              <a:t>; x :: </a:t>
-            </a:r>
-            <a:r>
-              <a:rPr lang="en-GB" dirty="0" err="1"/>
-              <a:t>List_CustomerType</a:t>
-            </a:r>
-            <a:r>
-              <a:rPr lang="en-GB" dirty="0"/>
-              <a:t> ) :: Bool ::= </a:t>
-            </a:r>
-          </a:p>
-          <a:p>
-            <a:pPr marL="0" indent="0">
-              <a:buNone/>
-            </a:pPr>
-            <a:r>
-              <a:rPr lang="en-GB" dirty="0"/>
-              <a:t>    IF (</a:t>
-            </a:r>
-            <a:r>
-              <a:rPr lang="en-GB" dirty="0" err="1"/>
-              <a:t>isCNil_CustomerType</a:t>
-            </a:r>
-            <a:r>
-              <a:rPr lang="en-GB" dirty="0"/>
-              <a:t> (x))</a:t>
-            </a:r>
-          </a:p>
-          <a:p>
-            <a:pPr marL="0" indent="0">
-              <a:buNone/>
-            </a:pPr>
-            <a:r>
-              <a:rPr lang="en-GB" dirty="0"/>
-              <a:t>        THEN False </a:t>
-            </a:r>
-          </a:p>
-          <a:p>
-            <a:pPr marL="0" indent="0">
-              <a:buNone/>
-            </a:pPr>
-            <a:r>
-              <a:rPr lang="en-GB" dirty="0"/>
-              <a:t>        ELSE IF ( </a:t>
-            </a:r>
-            <a:r>
-              <a:rPr lang="en-GB" dirty="0" err="1"/>
-              <a:t>customerID</a:t>
-            </a:r>
-            <a:r>
-              <a:rPr lang="en-GB" dirty="0"/>
-              <a:t>(head (x)) == </a:t>
-            </a:r>
-            <a:r>
-              <a:rPr lang="en-GB" dirty="0" err="1"/>
-              <a:t>cid</a:t>
-            </a:r>
-            <a:r>
-              <a:rPr lang="en-GB" dirty="0"/>
-              <a:t> )</a:t>
-            </a:r>
-          </a:p>
-          <a:p>
-            <a:pPr marL="0" indent="0">
-              <a:buNone/>
-            </a:pPr>
-            <a:r>
-              <a:rPr lang="en-GB" dirty="0"/>
-              <a:t>                 THEN True </a:t>
-            </a:r>
-          </a:p>
-          <a:p>
-            <a:pPr marL="0" indent="0">
-              <a:buNone/>
-            </a:pPr>
-            <a:r>
-              <a:rPr lang="en-GB" dirty="0"/>
-              <a:t>                 ELSE </a:t>
-            </a:r>
-            <a:r>
-              <a:rPr lang="en-GB" dirty="0" err="1"/>
-              <a:t>containsCustomerID</a:t>
-            </a:r>
-            <a:r>
-              <a:rPr lang="en-GB" dirty="0"/>
-              <a:t> (</a:t>
-            </a:r>
-            <a:r>
-              <a:rPr lang="en-GB" dirty="0" err="1"/>
-              <a:t>cid</a:t>
-            </a:r>
-            <a:r>
-              <a:rPr lang="en-GB" dirty="0"/>
-              <a:t>, tail(x)) </a:t>
-            </a:r>
-          </a:p>
-          <a:p>
-            <a:pPr marL="0" indent="0">
-              <a:buNone/>
-            </a:pPr>
-            <a:r>
-              <a:rPr lang="en-GB" dirty="0"/>
-              <a:t>             FI</a:t>
-            </a:r>
-          </a:p>
-          <a:p>
-            <a:pPr marL="0" indent="0">
-              <a:buNone/>
-            </a:pPr>
-            <a:r>
-              <a:rPr lang="en-GB" dirty="0"/>
-              <a:t>    FI</a:t>
-            </a:r>
-          </a:p>
-          <a:p>
-            <a:pPr marL="0" indent="0">
-              <a:buNone/>
-            </a:pPr>
-            <a:r>
-              <a:rPr lang="en-GB" dirty="0"/>
+            <a:endParaRPr lang="en-US" sz="1600" dirty="0" smtClean="0"/>
+          </a:p>
+          <a:p>
+            <a:pPr marL="0" indent="0">
+              <a:buNone/>
+            </a:pPr>
+            <a:r>
+              <a:rPr lang="en-US" sz="1600" dirty="0"/>
+              <a:t> </a:t>
+            </a:r>
+            <a:r>
+              <a:rPr lang="en-US" sz="1600" dirty="0" smtClean="0"/>
+              <a:t>                                            ; </a:t>
+            </a:r>
+            <a:r>
+              <a:rPr lang="en-US" sz="1600" dirty="0" err="1"/>
+              <a:t>employeeID</a:t>
+            </a:r>
+            <a:r>
+              <a:rPr lang="en-US" sz="1600" dirty="0"/>
+              <a:t> :: </a:t>
+            </a:r>
+            <a:r>
+              <a:rPr lang="en-US" sz="1600" dirty="0" err="1" smtClean="0"/>
+              <a:t>Int</a:t>
+            </a:r>
+            <a:endParaRPr lang="en-US" sz="1600" dirty="0" smtClean="0"/>
+          </a:p>
+          <a:p>
+            <a:pPr marL="0" indent="0">
+              <a:buNone/>
+            </a:pPr>
+            <a:r>
+              <a:rPr lang="en-US" sz="1600" dirty="0"/>
+              <a:t> </a:t>
+            </a:r>
+            <a:r>
+              <a:rPr lang="en-US" sz="1600" dirty="0" smtClean="0"/>
+              <a:t>                                            ; </a:t>
+            </a:r>
+            <a:r>
+              <a:rPr lang="en-US" sz="1600" dirty="0" err="1"/>
+              <a:t>orderDate</a:t>
+            </a:r>
+            <a:r>
+              <a:rPr lang="en-US" sz="1600" dirty="0"/>
+              <a:t> :: </a:t>
+            </a:r>
+            <a:r>
+              <a:rPr lang="en-US" sz="1600" dirty="0" err="1" smtClean="0"/>
+              <a:t>Int</a:t>
+            </a:r>
+            <a:endParaRPr lang="en-US" sz="1600" dirty="0" smtClean="0"/>
+          </a:p>
+          <a:p>
+            <a:pPr marL="0" indent="0">
+              <a:buNone/>
+            </a:pPr>
+            <a:r>
+              <a:rPr lang="en-US" sz="1600" dirty="0" smtClean="0"/>
+              <a:t>                                             ; </a:t>
+            </a:r>
+            <a:r>
+              <a:rPr lang="en-US" sz="1600" dirty="0" err="1"/>
+              <a:t>requiredDate</a:t>
+            </a:r>
+            <a:r>
+              <a:rPr lang="en-US" sz="1600" dirty="0"/>
+              <a:t> :: </a:t>
+            </a:r>
+            <a:r>
+              <a:rPr lang="en-US" sz="1600" dirty="0" err="1" smtClean="0"/>
+              <a:t>Int</a:t>
+            </a:r>
+            <a:endParaRPr lang="en-US" sz="1600" dirty="0" smtClean="0"/>
+          </a:p>
+          <a:p>
+            <a:pPr marL="0" indent="0">
+              <a:buNone/>
+            </a:pPr>
+            <a:r>
+              <a:rPr lang="en-US" sz="1600" dirty="0"/>
+              <a:t> </a:t>
+            </a:r>
+            <a:r>
+              <a:rPr lang="en-US" sz="1600" dirty="0" smtClean="0"/>
+              <a:t>                                            ; </a:t>
+            </a:r>
+            <a:r>
+              <a:rPr lang="en-US" sz="1600" dirty="0" err="1"/>
+              <a:t>shipInfo</a:t>
+            </a:r>
+            <a:r>
+              <a:rPr lang="en-US" sz="1600" dirty="0"/>
+              <a:t> :: </a:t>
+            </a:r>
+            <a:r>
+              <a:rPr lang="en-US" sz="1600" dirty="0" err="1"/>
+              <a:t>ShipInfo</a:t>
+            </a:r>
+            <a:r>
+              <a:rPr lang="en-US" sz="1600" dirty="0"/>
+              <a:t> </a:t>
+            </a:r>
+            <a:r>
+              <a:rPr lang="en-US" sz="1600" dirty="0" smtClean="0"/>
+              <a:t>}</a:t>
+            </a:r>
+          </a:p>
+          <a:p>
+            <a:pPr marL="0" indent="0">
+              <a:buNone/>
+            </a:pPr>
+            <a:r>
+              <a:rPr lang="en-US" sz="1600" dirty="0" smtClean="0"/>
               <a:t>ENDDEF</a:t>
             </a:r>
-          </a:p>
-          <a:p>
-            <a:pPr marL="0" indent="0">
-              <a:buNone/>
-            </a:pPr>
-            <a:endParaRPr lang="en-GB" dirty="0"/>
-          </a:p>
-          <a:p>
-            <a:pPr marL="0" indent="0">
-              <a:buNone/>
-            </a:pPr>
-            <a:r>
-              <a:rPr lang="en-GB" dirty="0"/>
-              <a:t>FUNCDEF </a:t>
-            </a:r>
-            <a:r>
-              <a:rPr lang="en-GB" dirty="0" err="1"/>
-              <a:t>validCustomerIDsInOrders</a:t>
-            </a:r>
-            <a:r>
-              <a:rPr lang="en-GB" dirty="0"/>
-              <a:t> ( o :: </a:t>
-            </a:r>
-            <a:r>
-              <a:rPr lang="en-GB" dirty="0" err="1"/>
-              <a:t>List_OrderType</a:t>
-            </a:r>
-            <a:r>
-              <a:rPr lang="en-GB" dirty="0"/>
-              <a:t>; c :: </a:t>
-            </a:r>
-            <a:r>
-              <a:rPr lang="en-GB" dirty="0" err="1"/>
-              <a:t>List_CustomerType</a:t>
-            </a:r>
-            <a:r>
-              <a:rPr lang="en-GB" dirty="0"/>
-              <a:t> ) :: Bool ::= </a:t>
-            </a:r>
-          </a:p>
-          <a:p>
-            <a:pPr marL="0" indent="0">
-              <a:buNone/>
-            </a:pPr>
-            <a:r>
-              <a:rPr lang="en-GB" dirty="0"/>
-              <a:t>    IF (</a:t>
-            </a:r>
-            <a:r>
-              <a:rPr lang="en-GB" dirty="0" err="1"/>
-              <a:t>isCNil_OrderType</a:t>
-            </a:r>
-            <a:r>
-              <a:rPr lang="en-GB" dirty="0"/>
-              <a:t> (o)) </a:t>
-            </a:r>
-          </a:p>
-          <a:p>
-            <a:pPr marL="0" indent="0">
-              <a:buNone/>
-            </a:pPr>
-            <a:r>
-              <a:rPr lang="en-GB" dirty="0"/>
-              <a:t>        THEN True </a:t>
-            </a:r>
-          </a:p>
-          <a:p>
-            <a:pPr marL="0" indent="0">
-              <a:buNone/>
-            </a:pPr>
-            <a:r>
-              <a:rPr lang="en-GB" dirty="0"/>
-              <a:t>        ELSE </a:t>
-            </a:r>
-            <a:r>
-              <a:rPr lang="en-GB" dirty="0" err="1"/>
-              <a:t>containsCustomerID</a:t>
-            </a:r>
-            <a:r>
-              <a:rPr lang="en-GB" dirty="0"/>
-              <a:t>(</a:t>
-            </a:r>
-            <a:r>
-              <a:rPr lang="en-GB" dirty="0" err="1"/>
-              <a:t>customerID</a:t>
-            </a:r>
-            <a:r>
-              <a:rPr lang="en-GB" dirty="0"/>
-              <a:t>(head(o)), c) /\ </a:t>
-            </a:r>
-            <a:r>
-              <a:rPr lang="en-GB" dirty="0" err="1"/>
-              <a:t>validCustomerIDsInOrders</a:t>
-            </a:r>
-            <a:r>
-              <a:rPr lang="en-GB" dirty="0"/>
-              <a:t> (tail(o), c)</a:t>
-            </a:r>
-          </a:p>
-          <a:p>
-            <a:pPr marL="0" indent="0">
-              <a:buNone/>
-            </a:pPr>
-            <a:r>
-              <a:rPr lang="en-GB" dirty="0"/>
-              <a:t>    FI </a:t>
-            </a:r>
-          </a:p>
-          <a:p>
-            <a:pPr marL="0" indent="0">
-              <a:buNone/>
-            </a:pPr>
-            <a:r>
-              <a:rPr lang="en-GB" dirty="0"/>
+            <a:endParaRPr lang="en-GB" sz="1600" dirty="0"/>
+          </a:p>
+          <a:p>
+            <a:pPr marL="0" indent="0">
+              <a:buNone/>
+            </a:pPr>
+            <a:r>
+              <a:rPr lang="en-GB" sz="1600" dirty="0"/>
+              <a:t>TYPEDEF </a:t>
+            </a:r>
+            <a:r>
+              <a:rPr lang="en-GB" sz="1600" dirty="0" err="1"/>
+              <a:t>ShipInfo</a:t>
+            </a:r>
+            <a:r>
+              <a:rPr lang="en-GB" sz="1600" dirty="0"/>
+              <a:t> ::= </a:t>
+            </a:r>
+            <a:r>
+              <a:rPr lang="en-GB" sz="1600" dirty="0" err="1"/>
+              <a:t>ShipInfo</a:t>
+            </a:r>
+            <a:r>
+              <a:rPr lang="en-GB" sz="1600" dirty="0"/>
+              <a:t> { </a:t>
+            </a:r>
+            <a:r>
+              <a:rPr lang="en-GB" sz="1600" dirty="0" err="1"/>
+              <a:t>shipVia</a:t>
+            </a:r>
+            <a:r>
+              <a:rPr lang="en-GB" sz="1600" dirty="0"/>
+              <a:t> :: </a:t>
+            </a:r>
+            <a:r>
+              <a:rPr lang="en-GB" sz="1600" dirty="0" err="1" smtClean="0"/>
+              <a:t>Int</a:t>
+            </a:r>
+            <a:endParaRPr lang="en-GB" sz="1600" dirty="0" smtClean="0"/>
+          </a:p>
+          <a:p>
+            <a:pPr marL="0" indent="0">
+              <a:buNone/>
+            </a:pPr>
+            <a:r>
+              <a:rPr lang="en-GB" sz="1600" dirty="0"/>
+              <a:t> </a:t>
+            </a:r>
+            <a:r>
+              <a:rPr lang="en-GB" sz="1600" dirty="0" smtClean="0"/>
+              <a:t>                                                     ; </a:t>
+            </a:r>
+            <a:r>
+              <a:rPr lang="en-GB" sz="1600" dirty="0"/>
+              <a:t>freight :: </a:t>
+            </a:r>
+            <a:r>
+              <a:rPr lang="en-GB" sz="1600" dirty="0" err="1" smtClean="0"/>
+              <a:t>Int</a:t>
+            </a:r>
+            <a:endParaRPr lang="en-GB" sz="1600" dirty="0" smtClean="0"/>
+          </a:p>
+          <a:p>
+            <a:pPr marL="0" indent="0">
+              <a:buNone/>
+            </a:pPr>
+            <a:r>
+              <a:rPr lang="en-GB" sz="1600" dirty="0"/>
+              <a:t> </a:t>
+            </a:r>
+            <a:r>
+              <a:rPr lang="en-GB" sz="1600" dirty="0" smtClean="0"/>
+              <a:t>                                                     ; </a:t>
+            </a:r>
+            <a:r>
+              <a:rPr lang="en-GB" sz="1600" dirty="0" err="1"/>
+              <a:t>shipName</a:t>
+            </a:r>
+            <a:r>
+              <a:rPr lang="en-GB" sz="1600" dirty="0"/>
+              <a:t> :: </a:t>
+            </a:r>
+            <a:r>
+              <a:rPr lang="en-GB" sz="1600" dirty="0" smtClean="0"/>
+              <a:t>String</a:t>
+            </a:r>
+          </a:p>
+          <a:p>
+            <a:pPr marL="0" indent="0">
+              <a:buNone/>
+            </a:pPr>
+            <a:r>
+              <a:rPr lang="en-GB" sz="1600" dirty="0"/>
+              <a:t> </a:t>
+            </a:r>
+            <a:r>
+              <a:rPr lang="en-GB" sz="1600" dirty="0" smtClean="0"/>
+              <a:t>                                                     ; </a:t>
+            </a:r>
+            <a:r>
+              <a:rPr lang="en-GB" sz="1600" dirty="0" err="1"/>
+              <a:t>shipAddress</a:t>
+            </a:r>
+            <a:r>
+              <a:rPr lang="en-GB" sz="1600" dirty="0"/>
+              <a:t> :: </a:t>
+            </a:r>
+            <a:r>
+              <a:rPr lang="en-GB" sz="1600" dirty="0" smtClean="0"/>
+              <a:t>String</a:t>
+            </a:r>
+          </a:p>
+          <a:p>
+            <a:pPr marL="0" indent="0">
+              <a:buNone/>
+            </a:pPr>
+            <a:r>
+              <a:rPr lang="en-GB" sz="1600" dirty="0"/>
+              <a:t> </a:t>
+            </a:r>
+            <a:r>
+              <a:rPr lang="en-GB" sz="1600" dirty="0" smtClean="0"/>
+              <a:t>                                                     ; </a:t>
+            </a:r>
+            <a:r>
+              <a:rPr lang="en-GB" sz="1600" dirty="0" err="1"/>
+              <a:t>shipCity</a:t>
+            </a:r>
+            <a:r>
+              <a:rPr lang="en-GB" sz="1600" dirty="0"/>
+              <a:t> :: </a:t>
+            </a:r>
+            <a:r>
+              <a:rPr lang="en-GB" sz="1600" dirty="0" smtClean="0"/>
+              <a:t>String</a:t>
+            </a:r>
+          </a:p>
+          <a:p>
+            <a:pPr marL="0" indent="0">
+              <a:buNone/>
+            </a:pPr>
+            <a:r>
+              <a:rPr lang="en-GB" sz="1600" dirty="0"/>
+              <a:t> </a:t>
+            </a:r>
+            <a:r>
+              <a:rPr lang="en-GB" sz="1600" dirty="0" smtClean="0"/>
+              <a:t>                                                     ; </a:t>
+            </a:r>
+            <a:r>
+              <a:rPr lang="en-GB" sz="1600" dirty="0" err="1"/>
+              <a:t>shipRegion</a:t>
+            </a:r>
+            <a:r>
+              <a:rPr lang="en-GB" sz="1600" dirty="0"/>
+              <a:t> :: </a:t>
+            </a:r>
+            <a:r>
+              <a:rPr lang="en-GB" sz="1600" dirty="0" smtClean="0"/>
+              <a:t>String</a:t>
+            </a:r>
+          </a:p>
+          <a:p>
+            <a:pPr marL="0" indent="0">
+              <a:buNone/>
+            </a:pPr>
+            <a:r>
+              <a:rPr lang="en-GB" sz="1600" dirty="0"/>
+              <a:t> </a:t>
+            </a:r>
+            <a:r>
+              <a:rPr lang="en-GB" sz="1600" dirty="0" smtClean="0"/>
+              <a:t>                                                     ; </a:t>
+            </a:r>
+            <a:r>
+              <a:rPr lang="en-GB" sz="1600" dirty="0" err="1"/>
+              <a:t>shipPostalCode</a:t>
+            </a:r>
+            <a:r>
+              <a:rPr lang="en-GB" sz="1600" dirty="0"/>
+              <a:t> :: </a:t>
+            </a:r>
+            <a:r>
+              <a:rPr lang="en-GB" sz="1600" dirty="0" smtClean="0"/>
+              <a:t>String</a:t>
+            </a:r>
+          </a:p>
+          <a:p>
+            <a:pPr marL="0" indent="0">
+              <a:buNone/>
+            </a:pPr>
+            <a:r>
+              <a:rPr lang="en-GB" sz="1600" dirty="0"/>
+              <a:t> </a:t>
+            </a:r>
+            <a:r>
+              <a:rPr lang="en-GB" sz="1600" dirty="0" smtClean="0"/>
+              <a:t>                                                     ; </a:t>
+            </a:r>
+            <a:r>
+              <a:rPr lang="en-GB" sz="1600" dirty="0" err="1"/>
+              <a:t>shipCountry</a:t>
+            </a:r>
+            <a:r>
+              <a:rPr lang="en-GB" sz="1600" dirty="0"/>
+              <a:t> :: </a:t>
+            </a:r>
+            <a:r>
+              <a:rPr lang="en-GB" sz="1600" dirty="0" smtClean="0"/>
+              <a:t>String</a:t>
+            </a:r>
+          </a:p>
+          <a:p>
+            <a:pPr marL="0" indent="0">
+              <a:buNone/>
+            </a:pPr>
+            <a:r>
+              <a:rPr lang="en-GB" sz="1600" dirty="0"/>
+              <a:t> </a:t>
+            </a:r>
+            <a:r>
+              <a:rPr lang="en-GB" sz="1600" dirty="0" smtClean="0"/>
+              <a:t>                                                     ; </a:t>
+            </a:r>
+            <a:r>
+              <a:rPr lang="en-GB" sz="1600" dirty="0" err="1"/>
+              <a:t>shippedDate</a:t>
+            </a:r>
+            <a:r>
+              <a:rPr lang="en-GB" sz="1600" dirty="0"/>
+              <a:t> :: </a:t>
+            </a:r>
+            <a:r>
+              <a:rPr lang="en-GB" sz="1600" dirty="0" err="1"/>
+              <a:t>Conditional_dateTime</a:t>
+            </a:r>
+            <a:r>
+              <a:rPr lang="en-GB" sz="1600" dirty="0"/>
+              <a:t> } </a:t>
+            </a:r>
+            <a:endParaRPr lang="en-GB" sz="1600" dirty="0" smtClean="0"/>
+          </a:p>
+          <a:p>
+            <a:pPr marL="0" indent="0">
+              <a:buNone/>
+            </a:pPr>
+            <a:r>
+              <a:rPr lang="en-GB" sz="1600" dirty="0" smtClean="0"/>
               <a:t>ENDDEF</a:t>
             </a:r>
+            <a:endParaRPr lang="en-GB" sz="1600" dirty="0"/>
           </a:p>
         </p:txBody>
       </p:sp>
     </p:spTree>
     <p:extLst>
       <p:ext uri="{BB962C8B-B14F-4D97-AF65-F5344CB8AC3E}">
-        <p14:creationId xmlns:p14="http://schemas.microsoft.com/office/powerpoint/2010/main" val="2219967370"/>
+        <p14:creationId xmlns:p14="http://schemas.microsoft.com/office/powerpoint/2010/main" val="3328488841"/>
       </p:ext>
     </p:extLst>
   </p:cSld>
   <p:clrMapOvr>
     <a:masterClrMapping/>
   </p:clrMapOvr>
+  <mc:AlternateContent xmlns:mc="http://schemas.openxmlformats.org/markup-compatibility/2006">
+    <mc:Choice xmlns:p14="http://schemas.microsoft.com/office/powerpoint/2010/main" Requires="p14">
+      <p:transition spd="slow" p14:dur="2000"/>
+    </mc:Choice>
+    <mc:Fallback>
+      <p:transition spd="slow"/>
+    </mc:Fallback>
+  </mc:AlternateContent>
 </p:sld>
 </file>
 
 <file path=ppt/slides/slide9.xml><?xml version="1.0" encoding="utf-8"?>
-<p:sld xmlns:a="http://schemas.openxmlformats.org/drawingml/2006/main" xmlns:r="http://schemas.openxmlformats.org/officeDocument/2006/relationships" xmlns:p="http://schemas.openxmlformats.org/presentationml/2006/main">
+<p:sld xmlns:a="http://schemas.openxmlformats.org/drawingml/2006/main" xmlns:r="http://schemas.openxmlformats.org/officeDocument/2006/relationships" xmlns:p="http://schemas.openxmlformats.org/presentationml/2006/main" show="0">
   <p:cSld>
     <p:spTree>
       <p:nvGrpSpPr>
@@ -6191,211 +7183,161 @@
         </p:nvSpPr>
         <p:spPr/>
         <p:txBody>
-          <a:bodyPr/>
-          <a:lstStyle/>
-          <a:p>
-            <a:r>
-              <a:rPr lang="nl-NL" dirty="0" err="1"/>
-              <a:t>Customers</a:t>
-            </a:r>
-            <a:r>
-              <a:rPr lang="nl-NL" dirty="0"/>
-              <a:t> Orders - </a:t>
-            </a:r>
-            <a:r>
-              <a:rPr lang="nl-NL" dirty="0" err="1"/>
-              <a:t>ProcDefs</a:t>
-            </a:r>
-            <a:endParaRPr lang="nl-NL" dirty="0"/>
-          </a:p>
-        </p:txBody>
-      </p:sp>
-      <p:sp>
-        <p:nvSpPr>
-          <p:cNvPr id="3" name="Content Placeholder 2"/>
-          <p:cNvSpPr>
-            <a:spLocks noGrp="1"/>
-          </p:cNvSpPr>
-          <p:nvPr>
-            <p:ph idx="1"/>
-          </p:nvPr>
-        </p:nvSpPr>
-        <p:spPr/>
-        <p:txBody>
           <a:bodyPr>
-            <a:normAutofit fontScale="40000" lnSpcReduction="20000"/>
+            <a:normAutofit fontScale="90000"/>
           </a:bodyPr>
           <a:lstStyle/>
           <a:p>
-            <a:pPr marL="0" indent="0">
-              <a:buNone/>
-            </a:pPr>
-            <a:r>
-              <a:rPr lang="nl-NL" dirty="0"/>
-              <a:t>PROCDEF </a:t>
-            </a:r>
-            <a:r>
-              <a:rPr lang="nl-NL" dirty="0" err="1"/>
-              <a:t>bufferedOutput</a:t>
-            </a:r>
-            <a:r>
-              <a:rPr lang="nl-NL" dirty="0"/>
-              <a:t> [ </a:t>
-            </a:r>
-            <a:r>
-              <a:rPr lang="nl-NL" dirty="0" err="1"/>
-              <a:t>IReport</a:t>
-            </a:r>
-            <a:r>
-              <a:rPr lang="nl-NL" dirty="0"/>
-              <a:t>, </a:t>
-            </a:r>
-            <a:r>
-              <a:rPr lang="nl-NL" dirty="0" err="1"/>
-              <a:t>OReport</a:t>
-            </a:r>
-            <a:r>
-              <a:rPr lang="nl-NL" dirty="0"/>
-              <a:t> :: Report ] (queue :: </a:t>
-            </a:r>
-            <a:r>
-              <a:rPr lang="nl-NL" dirty="0" err="1"/>
-              <a:t>ReportList</a:t>
-            </a:r>
-            <a:r>
-              <a:rPr lang="nl-NL" dirty="0"/>
-              <a:t>) ::=</a:t>
-            </a:r>
-          </a:p>
-          <a:p>
-            <a:pPr marL="0" indent="0">
-              <a:buNone/>
-            </a:pPr>
-            <a:r>
-              <a:rPr lang="nl-NL" dirty="0"/>
-              <a:t>        </a:t>
-            </a:r>
-            <a:r>
-              <a:rPr lang="nl-NL" dirty="0" err="1"/>
-              <a:t>IReport</a:t>
-            </a:r>
-            <a:r>
-              <a:rPr lang="nl-NL" dirty="0"/>
-              <a:t> ? r &gt;-&gt; </a:t>
-            </a:r>
-            <a:r>
-              <a:rPr lang="nl-NL" dirty="0" err="1"/>
-              <a:t>bufferedOutput</a:t>
-            </a:r>
-            <a:r>
-              <a:rPr lang="nl-NL" dirty="0"/>
-              <a:t> [ </a:t>
-            </a:r>
-            <a:r>
-              <a:rPr lang="nl-NL" dirty="0" err="1"/>
-              <a:t>IReport</a:t>
-            </a:r>
-            <a:r>
-              <a:rPr lang="nl-NL" dirty="0"/>
-              <a:t>, </a:t>
-            </a:r>
-            <a:r>
-              <a:rPr lang="nl-NL" dirty="0" err="1"/>
-              <a:t>OReport</a:t>
-            </a:r>
-            <a:r>
-              <a:rPr lang="nl-NL" dirty="0"/>
-              <a:t> ] (</a:t>
-            </a:r>
-            <a:r>
-              <a:rPr lang="nl-NL" dirty="0" err="1"/>
-              <a:t>add</a:t>
-            </a:r>
-            <a:r>
-              <a:rPr lang="nl-NL" dirty="0"/>
-              <a:t> (r , queue))</a:t>
-            </a:r>
-          </a:p>
-          <a:p>
-            <a:pPr marL="0" indent="0">
-              <a:buNone/>
-            </a:pPr>
-            <a:r>
-              <a:rPr lang="nl-NL" dirty="0"/>
-              <a:t>    ##</a:t>
-            </a:r>
-          </a:p>
-          <a:p>
-            <a:pPr marL="0" indent="0">
-              <a:buNone/>
-            </a:pPr>
-            <a:r>
-              <a:rPr lang="nl-NL" dirty="0"/>
-              <a:t>        [[ </a:t>
-            </a:r>
-            <a:r>
-              <a:rPr lang="nl-NL" dirty="0" err="1"/>
-              <a:t>isCstr_Report</a:t>
-            </a:r>
-            <a:r>
-              <a:rPr lang="nl-NL" dirty="0"/>
-              <a:t> (queue) ]] =&gt;&gt; </a:t>
-            </a:r>
-            <a:r>
-              <a:rPr lang="nl-NL" dirty="0" err="1"/>
-              <a:t>OReport</a:t>
-            </a:r>
-            <a:r>
-              <a:rPr lang="nl-NL" dirty="0"/>
-              <a:t> ! </a:t>
-            </a:r>
-            <a:r>
-              <a:rPr lang="nl-NL" dirty="0" err="1"/>
-              <a:t>head</a:t>
-            </a:r>
-            <a:r>
-              <a:rPr lang="nl-NL" dirty="0"/>
-              <a:t>(queue) &gt;-&gt; </a:t>
-            </a:r>
-            <a:r>
-              <a:rPr lang="nl-NL" dirty="0" err="1"/>
-              <a:t>bufferedOutput</a:t>
-            </a:r>
-            <a:r>
-              <a:rPr lang="nl-NL" dirty="0"/>
-              <a:t> [ </a:t>
-            </a:r>
-            <a:r>
-              <a:rPr lang="nl-NL" dirty="0" err="1"/>
-              <a:t>IReport</a:t>
-            </a:r>
-            <a:r>
-              <a:rPr lang="nl-NL" dirty="0"/>
-              <a:t>, </a:t>
-            </a:r>
-            <a:r>
-              <a:rPr lang="nl-NL" dirty="0" err="1"/>
-              <a:t>OReport</a:t>
-            </a:r>
-            <a:r>
-              <a:rPr lang="nl-NL" dirty="0"/>
-              <a:t> ] (</a:t>
-            </a:r>
-            <a:r>
-              <a:rPr lang="nl-NL" dirty="0" err="1"/>
-              <a:t>tail</a:t>
-            </a:r>
-            <a:r>
-              <a:rPr lang="nl-NL" dirty="0"/>
-              <a:t>(queue))</a:t>
-            </a:r>
-          </a:p>
-          <a:p>
-            <a:pPr marL="0" indent="0">
-              <a:buNone/>
-            </a:pPr>
-            <a:r>
-              <a:rPr lang="nl-NL" dirty="0"/>
+            <a:r>
+              <a:rPr lang="en-GB" dirty="0"/>
+              <a:t>Customer Orders </a:t>
+            </a:r>
+            <a:r>
+              <a:rPr lang="en-GB" dirty="0" err="1"/>
+              <a:t>TorXakis</a:t>
+            </a:r>
+            <a:r>
+              <a:rPr lang="en-GB" dirty="0"/>
+              <a:t> functions</a:t>
+            </a:r>
+          </a:p>
+        </p:txBody>
+      </p:sp>
+      <p:sp>
+        <p:nvSpPr>
+          <p:cNvPr id="3" name="Content Placeholder 2"/>
+          <p:cNvSpPr>
+            <a:spLocks noGrp="1"/>
+          </p:cNvSpPr>
+          <p:nvPr>
+            <p:ph idx="1"/>
+          </p:nvPr>
+        </p:nvSpPr>
+        <p:spPr/>
+        <p:txBody>
+          <a:bodyPr>
+            <a:normAutofit fontScale="62500" lnSpcReduction="20000"/>
+          </a:bodyPr>
+          <a:lstStyle/>
+          <a:p>
+            <a:pPr marL="0" indent="0">
+              <a:buNone/>
+            </a:pPr>
+            <a:r>
+              <a:rPr lang="en-GB" dirty="0"/>
+              <a:t>FUNCDEF </a:t>
+            </a:r>
+            <a:r>
+              <a:rPr lang="en-GB" dirty="0" err="1"/>
+              <a:t>isValid_Report</a:t>
+            </a:r>
+            <a:r>
+              <a:rPr lang="en-GB" dirty="0"/>
+              <a:t> ( t :: Report ) :: Bool </a:t>
+            </a:r>
+            <a:r>
+              <a:rPr lang="en-GB" dirty="0" smtClean="0"/>
+              <a:t>::=</a:t>
+            </a:r>
+          </a:p>
+          <a:p>
+            <a:pPr marL="0" indent="0">
+              <a:buNone/>
+            </a:pPr>
+            <a:r>
+              <a:rPr lang="en-GB" dirty="0" smtClean="0"/>
+              <a:t>	    </a:t>
+            </a:r>
+            <a:r>
+              <a:rPr lang="en-GB" dirty="0" err="1" smtClean="0"/>
+              <a:t>isValid_List_Customer</a:t>
+            </a:r>
+            <a:r>
+              <a:rPr lang="en-GB" dirty="0" smtClean="0"/>
+              <a:t>(customers(t</a:t>
+            </a:r>
+            <a:r>
+              <a:rPr lang="en-GB" dirty="0"/>
+              <a:t>), 0, </a:t>
+            </a:r>
+            <a:r>
+              <a:rPr lang="en-GB" dirty="0" err="1"/>
+              <a:t>Absent_Int</a:t>
+            </a:r>
+            <a:r>
+              <a:rPr lang="en-GB" dirty="0"/>
+              <a:t>) </a:t>
+            </a:r>
+            <a:endParaRPr lang="en-GB" dirty="0" smtClean="0"/>
+          </a:p>
+          <a:p>
+            <a:pPr marL="0" indent="0">
+              <a:buNone/>
+            </a:pPr>
+            <a:r>
+              <a:rPr lang="en-GB" dirty="0" smtClean="0"/>
+              <a:t>	/\ </a:t>
+            </a:r>
+            <a:r>
+              <a:rPr lang="en-GB" dirty="0" err="1"/>
+              <a:t>isValid_List_Order</a:t>
+            </a:r>
+            <a:r>
+              <a:rPr lang="en-GB" dirty="0"/>
+              <a:t>(orders(t), 0, </a:t>
+            </a:r>
+            <a:r>
+              <a:rPr lang="en-GB" dirty="0" err="1"/>
+              <a:t>Absent_Int</a:t>
+            </a:r>
+            <a:r>
+              <a:rPr lang="en-GB" dirty="0"/>
+              <a:t>) </a:t>
+            </a:r>
+            <a:endParaRPr lang="en-GB" dirty="0" smtClean="0"/>
+          </a:p>
+          <a:p>
+            <a:pPr marL="0" indent="0">
+              <a:buNone/>
+            </a:pPr>
+            <a:r>
+              <a:rPr lang="en-GB" dirty="0" smtClean="0"/>
+              <a:t>	/\ </a:t>
+            </a:r>
+            <a:r>
+              <a:rPr lang="en-GB" dirty="0" err="1"/>
+              <a:t>uniqueCustomerIDs</a:t>
+            </a:r>
+            <a:r>
+              <a:rPr lang="en-GB" dirty="0"/>
+              <a:t>(customers(t)) </a:t>
+            </a:r>
+            <a:endParaRPr lang="en-GB" dirty="0" smtClean="0"/>
+          </a:p>
+          <a:p>
+            <a:pPr marL="0" indent="0">
+              <a:buNone/>
+            </a:pPr>
+            <a:r>
+              <a:rPr lang="en-GB" dirty="0" smtClean="0"/>
+              <a:t>	/\ </a:t>
+            </a:r>
+            <a:r>
+              <a:rPr lang="en-GB" dirty="0" err="1"/>
+              <a:t>validCustomerIDsInOrders</a:t>
+            </a:r>
+            <a:r>
+              <a:rPr lang="en-GB" dirty="0"/>
+              <a:t>(orders(t),customers(t)) </a:t>
+            </a:r>
+            <a:endParaRPr lang="en-GB" dirty="0" smtClean="0"/>
+          </a:p>
+          <a:p>
+            <a:pPr marL="0" indent="0">
+              <a:buNone/>
+            </a:pPr>
+            <a:r>
+              <a:rPr lang="en-GB" dirty="0" smtClean="0"/>
               <a:t>ENDDEF</a:t>
             </a:r>
           </a:p>
@@ -6403,314 +7345,159 @@
             <a:pPr marL="0" indent="0">
               <a:buNone/>
             </a:pPr>
-            <a:endParaRPr lang="nl-NL" dirty="0"/>
-          </a:p>
-          <a:p>
-            <a:pPr marL="0" indent="0">
-              <a:buNone/>
-            </a:pPr>
-            <a:r>
-              <a:rPr lang="nl-NL" dirty="0"/>
-              <a:t>PROCDEF handle [ Customer :: Customer; Order :: Order; Report :: Report ] (</a:t>
-            </a:r>
-            <a:r>
-              <a:rPr lang="nl-NL" dirty="0" err="1"/>
-              <a:t>cs</a:t>
-            </a:r>
-            <a:r>
-              <a:rPr lang="nl-NL" dirty="0"/>
-              <a:t> :: </a:t>
-            </a:r>
-            <a:r>
-              <a:rPr lang="nl-NL" dirty="0" err="1"/>
+            <a:endParaRPr lang="en-GB" dirty="0" smtClean="0"/>
+          </a:p>
+          <a:p>
+            <a:pPr marL="0" indent="0">
+              <a:buNone/>
+            </a:pPr>
+            <a:r>
+              <a:rPr lang="en-US" dirty="0"/>
+              <a:t>FUNCDEF </a:t>
+            </a:r>
+            <a:r>
+              <a:rPr lang="en-US" dirty="0" err="1"/>
+              <a:t>uniqueCustomerIDs</a:t>
+            </a:r>
+            <a:r>
+              <a:rPr lang="en-US" dirty="0"/>
+              <a:t> ( x :: </a:t>
+            </a:r>
+            <a:r>
+              <a:rPr lang="en-US" dirty="0" err="1"/>
               <a:t>List_Customer</a:t>
             </a:r>
             <a:r>
-              <a:rPr lang="nl-NL" dirty="0"/>
-              <a:t>; os :: </a:t>
-            </a:r>
-            <a:r>
-              <a:rPr lang="nl-NL" dirty="0" err="1"/>
-              <a:t>List_Order</a:t>
-            </a:r>
-            <a:r>
-              <a:rPr lang="nl-NL" dirty="0"/>
-              <a:t>; </a:t>
-            </a:r>
-            <a:r>
-              <a:rPr lang="nl-NL" dirty="0" err="1"/>
-              <a:t>changed</a:t>
-            </a:r>
-            <a:r>
-              <a:rPr lang="nl-NL" dirty="0"/>
-              <a:t> :: </a:t>
-            </a:r>
-            <a:r>
-              <a:rPr lang="nl-NL" dirty="0" err="1"/>
+              <a:rPr lang="en-US" dirty="0"/>
+              <a:t> ) :: </a:t>
+            </a:r>
+            <a:r>
+              <a:rPr lang="en-US" dirty="0" err="1"/>
               <a:t>Bool</a:t>
             </a:r>
             <a:r>
-              <a:rPr lang="nl-NL" dirty="0"/>
-              <a:t>) EXIT ::= </a:t>
-            </a:r>
-          </a:p>
-          <a:p>
-            <a:pPr marL="0" indent="0">
-              <a:buNone/>
-            </a:pPr>
-            <a:r>
-              <a:rPr lang="nl-NL" dirty="0"/>
-              <a:t>        [[ </a:t>
-            </a:r>
-            <a:r>
-              <a:rPr lang="nl-NL" dirty="0" err="1"/>
-              <a:t>changed</a:t>
-            </a:r>
-            <a:r>
-              <a:rPr lang="nl-NL" dirty="0"/>
-              <a:t> ]] =&gt;&gt;   (   Report ! Report ( </a:t>
-            </a:r>
-            <a:r>
-              <a:rPr lang="nl-NL" dirty="0" err="1"/>
-              <a:t>cs</a:t>
-            </a:r>
-            <a:r>
-              <a:rPr lang="nl-NL" dirty="0"/>
-              <a:t>, os )</a:t>
-            </a:r>
-          </a:p>
-          <a:p>
-            <a:pPr marL="0" indent="0">
-              <a:buNone/>
-            </a:pPr>
-            <a:r>
-              <a:rPr lang="nl-NL" dirty="0"/>
-              <a:t>                            &gt;-&gt; handle [Customer , Order , Report ] ( </a:t>
-            </a:r>
-            <a:r>
-              <a:rPr lang="nl-NL" dirty="0" err="1"/>
-              <a:t>cs</a:t>
-            </a:r>
-            <a:r>
-              <a:rPr lang="nl-NL" dirty="0"/>
-              <a:t> , os , </a:t>
-            </a:r>
-            <a:r>
-              <a:rPr lang="nl-NL" dirty="0" err="1"/>
-              <a:t>False</a:t>
-            </a:r>
-            <a:r>
-              <a:rPr lang="nl-NL" dirty="0"/>
-              <a:t>)</a:t>
-            </a:r>
-          </a:p>
-          <a:p>
-            <a:pPr marL="0" indent="0">
-              <a:buNone/>
-            </a:pPr>
-            <a:r>
-              <a:rPr lang="nl-NL" dirty="0"/>
-              <a:t>                            )</a:t>
-            </a:r>
-          </a:p>
-          <a:p>
-            <a:pPr marL="0" indent="0">
-              <a:buNone/>
-            </a:pPr>
-            <a:r>
-              <a:rPr lang="nl-NL" dirty="0"/>
-              <a:t>    ##</a:t>
-            </a:r>
-          </a:p>
-          <a:p>
-            <a:pPr marL="0" indent="0">
-              <a:buNone/>
-            </a:pPr>
-            <a:r>
-              <a:rPr lang="nl-NL" dirty="0"/>
-              <a:t>        (   Customer ? c [[ </a:t>
-            </a:r>
-            <a:r>
-              <a:rPr lang="nl-NL" dirty="0" err="1"/>
-              <a:t>isValid_Customer</a:t>
-            </a:r>
-            <a:r>
-              <a:rPr lang="nl-NL" dirty="0"/>
-              <a:t>(c) /\ </a:t>
-            </a:r>
-            <a:r>
-              <a:rPr lang="nl-NL" dirty="0" err="1"/>
-              <a:t>not</a:t>
-            </a:r>
-            <a:r>
-              <a:rPr lang="nl-NL" dirty="0"/>
-              <a:t> ( </a:t>
-            </a:r>
-            <a:r>
-              <a:rPr lang="nl-NL" dirty="0" err="1"/>
+              <a:rPr lang="en-US" dirty="0"/>
+              <a:t> ::= </a:t>
+            </a:r>
+          </a:p>
+          <a:p>
+            <a:pPr marL="0" indent="0">
+              <a:buNone/>
+            </a:pPr>
+            <a:r>
+              <a:rPr lang="en-US" dirty="0" smtClean="0"/>
+              <a:t>	IF </a:t>
+            </a:r>
+            <a:r>
+              <a:rPr lang="en-US" dirty="0" err="1"/>
+              <a:t>isNil_Customer</a:t>
+            </a:r>
+            <a:r>
+              <a:rPr lang="en-US" dirty="0"/>
+              <a:t> (x) </a:t>
+            </a:r>
+            <a:endParaRPr lang="en-US" dirty="0" smtClean="0"/>
+          </a:p>
+          <a:p>
+            <a:pPr marL="0" indent="0">
+              <a:buNone/>
+            </a:pPr>
+            <a:r>
+              <a:rPr lang="en-US" dirty="0" smtClean="0"/>
+              <a:t>	THEN </a:t>
+            </a:r>
+            <a:r>
+              <a:rPr lang="en-US" dirty="0"/>
+              <a:t>True </a:t>
+            </a:r>
+            <a:endParaRPr lang="en-US" dirty="0" smtClean="0"/>
+          </a:p>
+          <a:p>
+            <a:pPr marL="0" indent="0">
+              <a:buNone/>
+            </a:pPr>
+            <a:r>
+              <a:rPr lang="en-US" dirty="0" smtClean="0"/>
+              <a:t>	ELSE </a:t>
+            </a:r>
+            <a:r>
+              <a:rPr lang="en-US" dirty="0"/>
+              <a:t>not(</a:t>
+            </a:r>
+            <a:r>
+              <a:rPr lang="en-US" dirty="0" err="1"/>
               <a:t>containsCustomerID</a:t>
             </a:r>
             <a:r>
-              <a:rPr lang="nl-NL" dirty="0"/>
-              <a:t> ( </a:t>
-            </a:r>
-            <a:r>
-              <a:rPr lang="nl-NL" dirty="0" err="1"/>
+              <a:rPr lang="en-US" dirty="0"/>
+              <a:t>(</a:t>
+            </a:r>
+            <a:r>
+              <a:rPr lang="en-US" dirty="0" err="1"/>
               <a:t>customerID</a:t>
             </a:r>
             <a:r>
-              <a:rPr lang="nl-NL" dirty="0"/>
-              <a:t> ( c ) , </a:t>
-            </a:r>
-            <a:r>
-              <a:rPr lang="nl-NL" dirty="0" err="1"/>
-              <a:t>cs</a:t>
-            </a:r>
-            <a:r>
-              <a:rPr lang="nl-NL" dirty="0"/>
-              <a:t> ) ) ]] </a:t>
-            </a:r>
-          </a:p>
-          <a:p>
-            <a:pPr marL="0" indent="0">
-              <a:buNone/>
-            </a:pPr>
-            <a:r>
-              <a:rPr lang="nl-NL" dirty="0"/>
-              <a:t>        &gt;-&gt; handle [Customer, Order, Report] ( </a:t>
-            </a:r>
-            <a:r>
-              <a:rPr lang="nl-NL" dirty="0" err="1"/>
-              <a:t>Cstr_Customer</a:t>
-            </a:r>
-            <a:r>
-              <a:rPr lang="nl-NL" dirty="0"/>
-              <a:t> ( c, </a:t>
-            </a:r>
-            <a:r>
-              <a:rPr lang="nl-NL" dirty="0" err="1"/>
-              <a:t>cs</a:t>
-            </a:r>
-            <a:r>
-              <a:rPr lang="nl-NL" dirty="0"/>
-              <a:t> ), os , True ) </a:t>
-            </a:r>
-          </a:p>
-          <a:p>
-            <a:pPr marL="0" indent="0">
-              <a:buNone/>
-            </a:pPr>
-            <a:r>
-              <a:rPr lang="nl-NL" dirty="0"/>
-              <a:t>        )</a:t>
-            </a:r>
-          </a:p>
-          <a:p>
-            <a:pPr marL="0" indent="0">
-              <a:buNone/>
-            </a:pPr>
-            <a:r>
-              <a:rPr lang="nl-NL" dirty="0"/>
-              <a:t>    ##</a:t>
-            </a:r>
-          </a:p>
-          <a:p>
-            <a:pPr marL="0" indent="0">
-              <a:buNone/>
-            </a:pPr>
-            <a:r>
-              <a:rPr lang="nl-NL" dirty="0"/>
-              <a:t>        (   Order ? o [[ </a:t>
-            </a:r>
-            <a:r>
-              <a:rPr lang="nl-NL" dirty="0" err="1"/>
-              <a:t>isValid_Order</a:t>
-            </a:r>
-            <a:r>
-              <a:rPr lang="nl-NL" dirty="0"/>
-              <a:t>(o) /\ </a:t>
-            </a:r>
-            <a:r>
-              <a:rPr lang="nl-NL" dirty="0" err="1"/>
-              <a:t>containsCustomerID</a:t>
-            </a:r>
-            <a:r>
-              <a:rPr lang="nl-NL" dirty="0"/>
-              <a:t> ( </a:t>
-            </a:r>
-            <a:r>
-              <a:rPr lang="nl-NL" dirty="0" err="1"/>
-              <a:t>customerID</a:t>
-            </a:r>
-            <a:r>
-              <a:rPr lang="nl-NL" dirty="0"/>
-              <a:t>(o), </a:t>
-            </a:r>
-            <a:r>
-              <a:rPr lang="nl-NL" dirty="0" err="1"/>
-              <a:t>cs</a:t>
-            </a:r>
-            <a:r>
-              <a:rPr lang="nl-NL" dirty="0"/>
-              <a:t> ) ]] </a:t>
-            </a:r>
-          </a:p>
-          <a:p>
-            <a:pPr marL="0" indent="0">
-              <a:buNone/>
-            </a:pPr>
-            <a:r>
-              <a:rPr lang="nl-NL" dirty="0"/>
-              <a:t>        &gt;-&gt; handle [Customer, Order, Report] ( </a:t>
-            </a:r>
-            <a:r>
-              <a:rPr lang="nl-NL" dirty="0" err="1"/>
-              <a:t>cs</a:t>
-            </a:r>
-            <a:r>
-              <a:rPr lang="nl-NL" dirty="0"/>
-              <a:t>, </a:t>
-            </a:r>
-            <a:r>
-              <a:rPr lang="nl-NL" dirty="0" err="1"/>
-              <a:t>Cstr_Order</a:t>
-            </a:r>
-            <a:r>
-              <a:rPr lang="nl-NL" dirty="0"/>
-              <a:t> ( o, os ) , True ) </a:t>
-            </a:r>
-          </a:p>
-          <a:p>
-            <a:pPr marL="0" indent="0">
-              <a:buNone/>
-            </a:pPr>
-            <a:r>
-              <a:rPr lang="nl-NL" dirty="0"/>
-              <a:t>        )</a:t>
-            </a:r>
-          </a:p>
-          <a:p>
-            <a:pPr marL="0" indent="0">
-              <a:buNone/>
-            </a:pPr>
-            <a:r>
-              <a:rPr lang="nl-NL" dirty="0"/>
+              <a:rPr lang="en-US" dirty="0"/>
+              <a:t>(head (x)), tail(x))) </a:t>
+            </a:r>
+          </a:p>
+          <a:p>
+            <a:pPr marL="0" indent="0">
+              <a:buNone/>
+            </a:pPr>
+            <a:r>
+              <a:rPr lang="en-US" dirty="0" smtClean="0"/>
+              <a:t>	     /\ </a:t>
+            </a:r>
+            <a:r>
+              <a:rPr lang="en-US" dirty="0" err="1"/>
+              <a:t>uniqueCustomerIDs</a:t>
+            </a:r>
+            <a:r>
+              <a:rPr lang="en-US" dirty="0"/>
+              <a:t>(tail(x)) </a:t>
+            </a:r>
+            <a:endParaRPr lang="en-US" dirty="0" smtClean="0"/>
+          </a:p>
+          <a:p>
+            <a:pPr marL="0" indent="0">
+              <a:buNone/>
+            </a:pPr>
+            <a:r>
+              <a:rPr lang="en-US" dirty="0" smtClean="0"/>
+              <a:t>	FI</a:t>
+            </a:r>
+          </a:p>
+          <a:p>
+            <a:pPr marL="0" indent="0">
+              <a:buNone/>
+            </a:pPr>
+            <a:r>
+              <a:rPr lang="en-US" dirty="0" smtClean="0"/>
               <a:t>ENDDEF</a:t>
             </a:r>
-            <a:endParaRPr lang="nl-NL" dirty="0"/>
+            <a:endParaRPr lang="en-GB" dirty="0"/>
           </a:p>
         </p:txBody>
       </p:sp>
     </p:spTree>
     <p:extLst>
       <p:ext uri="{BB962C8B-B14F-4D97-AF65-F5344CB8AC3E}">
-        <p14:creationId xmlns:p14="http://schemas.microsoft.com/office/powerpoint/2010/main" val="2958999934"/>
+        <p14:creationId xmlns:p14="http://schemas.microsoft.com/office/powerpoint/2010/main" val="4167402793"/>
       </p:ext>
     </p:extLst>
   </p:cSld>
   <p:clrMapOvr>
     <a:masterClrMapping/>
   </p:clrMapOvr>
+  <mc:AlternateContent xmlns:mc="http://schemas.openxmlformats.org/markup-compatibility/2006">
+    <mc:Choice xmlns:p14="http://schemas.microsoft.com/office/powerpoint/2010/main" Requires="p14">
+      <p:transition spd="slow" p14:dur="2000"/>
+    </mc:Choice>
+    <mc:Fallback>
+      <p:transition spd="slow"/>
+    </mc:Fallback>
+  </mc:AlternateContent>
 </p:sld>
 </file>
 
